--- a/Git 分支.pptx
+++ b/Git 分支.pptx
@@ -8,8 +8,9 @@
     <p:sldId id="256" r:id="rId3"/>
     <p:sldId id="257" r:id="rId4"/>
     <p:sldId id="258" r:id="rId5"/>
+    <p:sldId id="259" r:id="rId6"/>
   </p:sldIdLst>
-  <p:sldSz cx="12192000" cy="6858000"/>
+  <p:sldSz cx="12192635" cy="6858000"/>
   <p:notesSz cx="7103745" cy="10234295"/>
   <p:defaultTextStyle>
     <a:defPPr>
@@ -138,8 +139,8 @@
         </p:nvSpPr>
         <p:spPr>
           <a:xfrm>
-            <a:off x="1524000" y="1122363"/>
-            <a:ext cx="9144000" cy="2387600"/>
+            <a:off x="1524221" y="1122363"/>
+            <a:ext cx="9145325" cy="2387600"/>
           </a:xfrm>
         </p:spPr>
         <p:txBody>
@@ -170,8 +171,8 @@
         </p:nvSpPr>
         <p:spPr>
           <a:xfrm>
-            <a:off x="1524000" y="3602038"/>
-            <a:ext cx="9144000" cy="1655762"/>
+            <a:off x="1524221" y="3602038"/>
+            <a:ext cx="9145325" cy="1655762"/>
           </a:xfrm>
         </p:spPr>
         <p:txBody>
@@ -323,8 +324,8 @@
         </p:nvSpPr>
         <p:spPr>
           <a:xfrm>
-            <a:off x="838200" y="365125"/>
-            <a:ext cx="10515600" cy="5811838"/>
+            <a:off x="838321" y="365125"/>
+            <a:ext cx="10517123" cy="5811838"/>
           </a:xfrm>
         </p:spPr>
         <p:txBody>
@@ -639,8 +640,8 @@
         </p:nvSpPr>
         <p:spPr>
           <a:xfrm>
-            <a:off x="831850" y="1709738"/>
-            <a:ext cx="10515600" cy="2852737"/>
+            <a:off x="831971" y="1709738"/>
+            <a:ext cx="10517123" cy="2852737"/>
           </a:xfrm>
         </p:spPr>
         <p:txBody>
@@ -671,8 +672,8 @@
         </p:nvSpPr>
         <p:spPr>
           <a:xfrm>
-            <a:off x="831850" y="4589463"/>
-            <a:ext cx="10515600" cy="1500187"/>
+            <a:off x="831971" y="4589463"/>
+            <a:ext cx="10517123" cy="1500187"/>
           </a:xfrm>
         </p:spPr>
         <p:txBody>
@@ -902,8 +903,8 @@
         </p:nvSpPr>
         <p:spPr>
           <a:xfrm>
-            <a:off x="838200" y="1825625"/>
-            <a:ext cx="5181600" cy="4351338"/>
+            <a:off x="838321" y="1825625"/>
+            <a:ext cx="5182351" cy="4351338"/>
           </a:xfrm>
         </p:spPr>
         <p:txBody>
@@ -963,8 +964,8 @@
         </p:nvSpPr>
         <p:spPr>
           <a:xfrm>
-            <a:off x="6172200" y="1825625"/>
-            <a:ext cx="5181600" cy="4351338"/>
+            <a:off x="6173094" y="1825625"/>
+            <a:ext cx="5182351" cy="4351338"/>
           </a:xfrm>
         </p:spPr>
         <p:txBody>
@@ -1112,8 +1113,8 @@
         </p:nvSpPr>
         <p:spPr>
           <a:xfrm>
-            <a:off x="839788" y="365125"/>
-            <a:ext cx="10515600" cy="1325563"/>
+            <a:off x="839910" y="365125"/>
+            <a:ext cx="10517123" cy="1325563"/>
           </a:xfrm>
         </p:spPr>
         <p:txBody>
@@ -1140,8 +1141,8 @@
         </p:nvSpPr>
         <p:spPr>
           <a:xfrm>
-            <a:off x="1186774" y="1778438"/>
-            <a:ext cx="4873574" cy="823912"/>
+            <a:off x="1186946" y="1778438"/>
+            <a:ext cx="4874280" cy="823912"/>
           </a:xfrm>
         </p:spPr>
         <p:txBody>
@@ -1206,8 +1207,8 @@
         </p:nvSpPr>
         <p:spPr>
           <a:xfrm>
-            <a:off x="1186774" y="2665379"/>
-            <a:ext cx="4873574" cy="3524284"/>
+            <a:off x="1186946" y="2665379"/>
+            <a:ext cx="4874280" cy="3524284"/>
           </a:xfrm>
         </p:spPr>
         <p:txBody>
@@ -1267,8 +1268,8 @@
         </p:nvSpPr>
         <p:spPr>
           <a:xfrm>
-            <a:off x="6256938" y="1778438"/>
-            <a:ext cx="4897576" cy="823912"/>
+            <a:off x="6257844" y="1778438"/>
+            <a:ext cx="4898285" cy="823912"/>
           </a:xfrm>
         </p:spPr>
         <p:txBody>
@@ -1333,8 +1334,8 @@
         </p:nvSpPr>
         <p:spPr>
           <a:xfrm>
-            <a:off x="6256938" y="2665379"/>
-            <a:ext cx="4897576" cy="3524284"/>
+            <a:off x="6257844" y="2665379"/>
+            <a:ext cx="4898285" cy="3524284"/>
           </a:xfrm>
         </p:spPr>
         <p:txBody>
@@ -1681,8 +1682,8 @@
         </p:nvSpPr>
         <p:spPr>
           <a:xfrm>
-            <a:off x="839788" y="457200"/>
-            <a:ext cx="4165349" cy="1600200"/>
+            <a:off x="839910" y="457200"/>
+            <a:ext cx="4165952" cy="1600200"/>
           </a:xfrm>
         </p:spPr>
         <p:txBody>
@@ -1713,8 +1714,8 @@
         </p:nvSpPr>
         <p:spPr>
           <a:xfrm>
-            <a:off x="5183188" y="457201"/>
-            <a:ext cx="6172200" cy="5403850"/>
+            <a:off x="5183939" y="457201"/>
+            <a:ext cx="6173094" cy="5403850"/>
           </a:xfrm>
         </p:spPr>
         <p:txBody>
@@ -1774,8 +1775,8 @@
         </p:nvSpPr>
         <p:spPr>
           <a:xfrm>
-            <a:off x="839788" y="2057400"/>
-            <a:ext cx="4165349" cy="3811588"/>
+            <a:off x="839910" y="2057400"/>
+            <a:ext cx="4165952" cy="3811588"/>
           </a:xfrm>
         </p:spPr>
         <p:txBody>
@@ -1928,8 +1929,8 @@
         </p:nvSpPr>
         <p:spPr>
           <a:xfrm>
-            <a:off x="8724900" y="365125"/>
-            <a:ext cx="2628900" cy="5811838"/>
+            <a:off x="8726164" y="365125"/>
+            <a:ext cx="2629281" cy="5811838"/>
           </a:xfrm>
         </p:spPr>
         <p:txBody>
@@ -1956,8 +1957,8 @@
         </p:nvSpPr>
         <p:spPr>
           <a:xfrm>
-            <a:off x="838200" y="365125"/>
-            <a:ext cx="7734300" cy="5811838"/>
+            <a:off x="838321" y="365125"/>
+            <a:ext cx="7735420" cy="5811838"/>
           </a:xfrm>
         </p:spPr>
         <p:txBody>
@@ -2110,8 +2111,8 @@
         </p:nvSpPr>
         <p:spPr>
           <a:xfrm>
-            <a:off x="838200" y="365125"/>
-            <a:ext cx="10515600" cy="1325563"/>
+            <a:off x="838321" y="365125"/>
+            <a:ext cx="10517123" cy="1325563"/>
           </a:xfrm>
           <a:prstGeom prst="rect">
             <a:avLst/>
@@ -2143,8 +2144,8 @@
         </p:nvSpPr>
         <p:spPr>
           <a:xfrm>
-            <a:off x="838200" y="1825625"/>
-            <a:ext cx="10515600" cy="4351338"/>
+            <a:off x="838321" y="1825625"/>
+            <a:ext cx="10517123" cy="4351338"/>
           </a:xfrm>
           <a:prstGeom prst="rect">
             <a:avLst/>
@@ -2209,8 +2210,8 @@
         </p:nvSpPr>
         <p:spPr>
           <a:xfrm>
-            <a:off x="838200" y="6356350"/>
-            <a:ext cx="2743200" cy="365125"/>
+            <a:off x="838321" y="6356350"/>
+            <a:ext cx="2743597" cy="365125"/>
           </a:xfrm>
           <a:prstGeom prst="rect">
             <a:avLst/>
@@ -2249,8 +2250,8 @@
         </p:nvSpPr>
         <p:spPr>
           <a:xfrm>
-            <a:off x="4038600" y="6356350"/>
-            <a:ext cx="4114800" cy="365125"/>
+            <a:off x="4039185" y="6356350"/>
+            <a:ext cx="4115396" cy="365125"/>
           </a:xfrm>
           <a:prstGeom prst="rect">
             <a:avLst/>
@@ -2286,8 +2287,8 @@
         </p:nvSpPr>
         <p:spPr>
           <a:xfrm>
-            <a:off x="8610600" y="6356350"/>
-            <a:ext cx="2743200" cy="365125"/>
+            <a:off x="8611847" y="6356350"/>
+            <a:ext cx="2743597" cy="365125"/>
           </a:xfrm>
           <a:prstGeom prst="rect">
             <a:avLst/>
@@ -2634,7 +2635,7 @@
         </p:nvSpPr>
         <p:spPr>
           <a:xfrm>
-            <a:off x="1524000" y="1122363"/>
+            <a:off x="1524883" y="1122363"/>
             <a:ext cx="9144000" cy="2387600"/>
           </a:xfrm>
         </p:spPr>
@@ -2679,7 +2680,7 @@
         </p:nvSpPr>
         <p:spPr>
           <a:xfrm>
-            <a:off x="602615" y="2424430"/>
+            <a:off x="603498" y="2424430"/>
             <a:ext cx="2894330" cy="2009140"/>
           </a:xfrm>
           <a:prstGeom prst="roundRect">
@@ -2814,15 +2815,7 @@
                   <a:schemeClr val="tx1"/>
                 </a:solidFill>
               </a:rPr>
-              <a:t> LePeng</a:t>
-            </a:r>
-            <a:r>
-              <a:rPr lang="en-US" altLang="zh-CN">
-                <a:solidFill>
-                  <a:schemeClr val="tx1"/>
-                </a:solidFill>
-              </a:rPr>
-              <a:t>Tian</a:t>
+              <a:t> LePengTian</a:t>
             </a:r>
             <a:endParaRPr lang="en-US" altLang="zh-CN">
               <a:solidFill>
@@ -2881,7 +2874,7 @@
         </p:nvSpPr>
         <p:spPr>
           <a:xfrm>
-            <a:off x="4648835" y="2424430"/>
+            <a:off x="4649718" y="2424430"/>
             <a:ext cx="2894330" cy="2009140"/>
           </a:xfrm>
           <a:prstGeom prst="roundRect">
@@ -2949,15 +2942,7 @@
                   <a:schemeClr val="tx1"/>
                 </a:solidFill>
               </a:rPr>
-              <a:t>树</a:t>
-            </a:r>
-            <a:r>
-              <a:rPr lang="zh-CN" altLang="en-US">
-                <a:solidFill>
-                  <a:schemeClr val="tx1"/>
-                </a:solidFill>
-              </a:rPr>
-              <a:t>对象：</a:t>
+              <a:t>树对象：</a:t>
             </a:r>
             <a:r>
               <a:rPr lang="en-US" altLang="zh-CN">
@@ -2981,15 +2966,7 @@
                   <a:schemeClr val="tx1"/>
                 </a:solidFill>
               </a:rPr>
-              <a:t>快照</a:t>
-            </a:r>
-            <a:r>
-              <a:rPr lang="zh-CN" altLang="en-US">
-                <a:solidFill>
-                  <a:schemeClr val="tx1"/>
-                </a:solidFill>
-              </a:rPr>
-              <a:t>对象</a:t>
+              <a:t>快照对象</a:t>
             </a:r>
             <a:r>
               <a:rPr lang="en-US" altLang="zh-CN">
@@ -3030,16 +3007,7 @@
                 </a:solidFill>
                 <a:sym typeface="+mn-ea"/>
               </a:rPr>
-              <a:t>快照</a:t>
-            </a:r>
-            <a:r>
-              <a:rPr lang="zh-CN" altLang="en-US">
-                <a:solidFill>
-                  <a:schemeClr val="tx1"/>
-                </a:solidFill>
-                <a:sym typeface="+mn-ea"/>
-              </a:rPr>
-              <a:t>对象</a:t>
+              <a:t>快照对象</a:t>
             </a:r>
             <a:r>
               <a:rPr lang="en-US" altLang="zh-CN">
@@ -3084,16 +3052,7 @@
                 </a:solidFill>
                 <a:sym typeface="+mn-ea"/>
               </a:rPr>
-              <a:t>快照</a:t>
-            </a:r>
-            <a:r>
-              <a:rPr lang="zh-CN" altLang="en-US">
-                <a:solidFill>
-                  <a:schemeClr val="tx1"/>
-                </a:solidFill>
-                <a:sym typeface="+mn-ea"/>
-              </a:rPr>
-              <a:t>对象</a:t>
+              <a:t>快照对象</a:t>
             </a:r>
             <a:r>
               <a:rPr lang="en-US" altLang="zh-CN">
@@ -3138,7 +3097,7 @@
         </p:nvSpPr>
         <p:spPr>
           <a:xfrm>
-            <a:off x="8677275" y="2424430"/>
+            <a:off x="8678158" y="2424430"/>
             <a:ext cx="2894330" cy="2009140"/>
           </a:xfrm>
           <a:prstGeom prst="roundRect">
@@ -3241,7 +3200,7 @@
         </p:nvSpPr>
         <p:spPr>
           <a:xfrm>
-            <a:off x="8677275" y="101600"/>
+            <a:off x="8678158" y="101600"/>
             <a:ext cx="2894330" cy="2009140"/>
           </a:xfrm>
           <a:prstGeom prst="roundRect">
@@ -3344,7 +3303,7 @@
         </p:nvSpPr>
         <p:spPr>
           <a:xfrm>
-            <a:off x="8677275" y="4755515"/>
+            <a:off x="8678158" y="4755515"/>
             <a:ext cx="2894330" cy="2009140"/>
           </a:xfrm>
           <a:prstGeom prst="roundRect">
@@ -3447,7 +3406,7 @@
         </p:nvCxnSpPr>
         <p:spPr>
           <a:xfrm>
-            <a:off x="3496945" y="3429000"/>
+            <a:off x="3497828" y="3429000"/>
             <a:ext cx="1151890" cy="0"/>
           </a:xfrm>
           <a:prstGeom prst="straightConnector1">
@@ -3483,7 +3442,7 @@
         </p:nvCxnSpPr>
         <p:spPr>
           <a:xfrm>
-            <a:off x="7543165" y="3429000"/>
+            <a:off x="7544048" y="3429000"/>
             <a:ext cx="1151890" cy="0"/>
           </a:xfrm>
           <a:prstGeom prst="straightConnector1">
@@ -3519,7 +3478,7 @@
         </p:nvCxnSpPr>
         <p:spPr>
           <a:xfrm>
-            <a:off x="7438390" y="4330700"/>
+            <a:off x="7439273" y="4330700"/>
             <a:ext cx="1276350" cy="612140"/>
           </a:xfrm>
           <a:prstGeom prst="straightConnector1">
@@ -3555,7 +3514,7 @@
         </p:nvCxnSpPr>
         <p:spPr>
           <a:xfrm flipV="1">
-            <a:off x="7463155" y="1892300"/>
+            <a:off x="7464038" y="1892300"/>
             <a:ext cx="1201420" cy="624840"/>
           </a:xfrm>
           <a:prstGeom prst="straightConnector1">
@@ -3591,7 +3550,7 @@
         </p:nvSpPr>
         <p:spPr>
           <a:xfrm>
-            <a:off x="4648835" y="2424430"/>
+            <a:off x="4649718" y="2424430"/>
             <a:ext cx="2894330" cy="2009140"/>
           </a:xfrm>
           <a:prstGeom prst="roundRect">
@@ -3804,7 +3763,7 @@
         </p:nvCxnSpPr>
         <p:spPr>
           <a:xfrm flipH="1">
-            <a:off x="3496945" y="3429000"/>
+            <a:off x="3497828" y="3429000"/>
             <a:ext cx="1151890" cy="0"/>
           </a:xfrm>
           <a:prstGeom prst="straightConnector1">
@@ -3840,7 +3799,7 @@
         </p:nvSpPr>
         <p:spPr>
           <a:xfrm>
-            <a:off x="8682990" y="2424430"/>
+            <a:off x="8683873" y="2424430"/>
             <a:ext cx="2894330" cy="2009140"/>
           </a:xfrm>
           <a:prstGeom prst="roundRect">
@@ -4061,7 +4020,7 @@
         </p:nvCxnSpPr>
         <p:spPr>
           <a:xfrm flipH="1">
-            <a:off x="7543165" y="3429000"/>
+            <a:off x="7544048" y="3429000"/>
             <a:ext cx="1139825" cy="0"/>
           </a:xfrm>
           <a:prstGeom prst="straightConnector1">
@@ -4097,7 +4056,7 @@
         </p:nvCxnSpPr>
         <p:spPr>
           <a:xfrm>
-            <a:off x="2049780" y="4433570"/>
+            <a:off x="2050663" y="4433570"/>
             <a:ext cx="0" cy="1122045"/>
           </a:xfrm>
           <a:prstGeom prst="straightConnector1">
@@ -4133,7 +4092,7 @@
         </p:nvSpPr>
         <p:spPr>
           <a:xfrm>
-            <a:off x="602615" y="5555615"/>
+            <a:off x="603498" y="5555615"/>
             <a:ext cx="2893695" cy="737870"/>
           </a:xfrm>
           <a:prstGeom prst="rect">
@@ -4189,7 +4148,7 @@
         </p:nvSpPr>
         <p:spPr>
           <a:xfrm>
-            <a:off x="4649470" y="5555615"/>
+            <a:off x="4650353" y="5555615"/>
             <a:ext cx="2893695" cy="737870"/>
           </a:xfrm>
           <a:prstGeom prst="rect">
@@ -4247,7 +4206,7 @@
         </p:nvCxnSpPr>
         <p:spPr>
           <a:xfrm>
-            <a:off x="6096635" y="4433570"/>
+            <a:off x="6097518" y="4433570"/>
             <a:ext cx="0" cy="1122045"/>
           </a:xfrm>
           <a:prstGeom prst="straightConnector1">
@@ -4283,7 +4242,7 @@
         </p:nvSpPr>
         <p:spPr>
           <a:xfrm>
-            <a:off x="8695055" y="5555615"/>
+            <a:off x="8695938" y="5555615"/>
             <a:ext cx="2893695" cy="737870"/>
           </a:xfrm>
           <a:prstGeom prst="rect">
@@ -4341,7 +4300,7 @@
         </p:nvCxnSpPr>
         <p:spPr>
           <a:xfrm>
-            <a:off x="10142220" y="4433570"/>
+            <a:off x="10143103" y="4433570"/>
             <a:ext cx="0" cy="1122045"/>
           </a:xfrm>
           <a:prstGeom prst="straightConnector1">
@@ -4377,7 +4336,7 @@
         </p:nvSpPr>
         <p:spPr>
           <a:xfrm>
-            <a:off x="602615" y="5555615"/>
+            <a:off x="603498" y="5555615"/>
             <a:ext cx="2893695" cy="737870"/>
           </a:xfrm>
           <a:prstGeom prst="rect">
@@ -4433,7 +4392,7 @@
         </p:nvSpPr>
         <p:spPr>
           <a:xfrm>
-            <a:off x="4649470" y="5555615"/>
+            <a:off x="4650353" y="5555615"/>
             <a:ext cx="2893695" cy="737870"/>
           </a:xfrm>
           <a:prstGeom prst="rect">
@@ -4489,7 +4448,7 @@
         </p:nvSpPr>
         <p:spPr>
           <a:xfrm>
-            <a:off x="8695055" y="5555615"/>
+            <a:off x="8695938" y="5555615"/>
             <a:ext cx="2893695" cy="737870"/>
           </a:xfrm>
           <a:prstGeom prst="rect">
@@ -4545,7 +4504,7 @@
         </p:nvSpPr>
         <p:spPr>
           <a:xfrm>
-            <a:off x="602615" y="5555615"/>
+            <a:off x="603498" y="5555615"/>
             <a:ext cx="2893695" cy="737870"/>
           </a:xfrm>
           <a:prstGeom prst="rect">
@@ -4601,7 +4560,7 @@
         </p:nvSpPr>
         <p:spPr>
           <a:xfrm>
-            <a:off x="4649470" y="5555615"/>
+            <a:off x="4650353" y="5555615"/>
             <a:ext cx="2893695" cy="737870"/>
           </a:xfrm>
           <a:prstGeom prst="rect">
@@ -4657,7 +4616,7 @@
         </p:nvSpPr>
         <p:spPr>
           <a:xfrm>
-            <a:off x="758190" y="674370"/>
+            <a:off x="759073" y="674370"/>
             <a:ext cx="3051175" cy="583565"/>
           </a:xfrm>
           <a:prstGeom prst="rect">
@@ -6098,24 +6057,24 @@
       <p:bldP spid="14" grpId="0" animBg="1"/>
       <p:bldP spid="13" grpId="0" animBg="1"/>
       <p:bldP spid="12" grpId="0" animBg="1"/>
-      <p:bldP spid="14" grpId="1" animBg="1"/>
-      <p:bldP spid="13" grpId="1" animBg="1"/>
-      <p:bldP spid="12" grpId="1" animBg="1"/>
-      <p:bldP spid="7" grpId="0" animBg="1"/>
+      <p:bldP spid="14" grpId="1" bldLvl="0" animBg="1"/>
+      <p:bldP spid="13" grpId="1" bldLvl="0" animBg="1"/>
+      <p:bldP spid="12" grpId="1" bldLvl="0" animBg="1"/>
+      <p:bldP spid="7" grpId="0" bldLvl="0" animBg="1"/>
       <p:bldP spid="5" grpId="0" bldLvl="0" animBg="1"/>
       <p:bldP spid="14" grpId="2" animBg="1"/>
       <p:bldP spid="13" grpId="2" animBg="1"/>
       <p:bldP spid="12" grpId="2" animBg="1"/>
       <p:bldP spid="7" grpId="1" animBg="1"/>
-      <p:bldP spid="14" grpId="3" animBg="1"/>
-      <p:bldP spid="13" grpId="3" animBg="1"/>
-      <p:bldP spid="12" grpId="3" animBg="1"/>
-      <p:bldP spid="7" grpId="2" animBg="1"/>
-      <p:bldP spid="30" grpId="0" animBg="1"/>
-      <p:bldP spid="21" grpId="0" animBg="1"/>
-      <p:bldP spid="36" grpId="0" animBg="1"/>
-      <p:bldP spid="38" grpId="0" animBg="1"/>
-      <p:bldP spid="25" grpId="0" animBg="1"/>
+      <p:bldP spid="14" grpId="3" bldLvl="0" animBg="1"/>
+      <p:bldP spid="13" grpId="3" bldLvl="0" animBg="1"/>
+      <p:bldP spid="12" grpId="3" bldLvl="0" animBg="1"/>
+      <p:bldP spid="7" grpId="2" bldLvl="0" animBg="1"/>
+      <p:bldP spid="30" grpId="0" bldLvl="0" animBg="1"/>
+      <p:bldP spid="21" grpId="0" bldLvl="0" animBg="1"/>
+      <p:bldP spid="36" grpId="0" bldLvl="0" animBg="1"/>
+      <p:bldP spid="38" grpId="0" bldLvl="0" animBg="1"/>
+      <p:bldP spid="25" grpId="0" bldLvl="0" animBg="1"/>
       <p:bldP spid="40" grpId="0" bldLvl="0" animBg="1"/>
       <p:bldP spid="41" grpId="0" bldLvl="0" animBg="1"/>
       <p:bldP spid="42" grpId="0" bldLvl="0" animBg="1"/>
@@ -6145,7 +6104,7 @@
         </p:nvSpPr>
         <p:spPr>
           <a:xfrm>
-            <a:off x="1358900" y="3173730"/>
+            <a:off x="1359783" y="3173730"/>
             <a:ext cx="1381125" cy="510540"/>
           </a:xfrm>
           <a:prstGeom prst="roundRect">
@@ -6202,7 +6161,7 @@
         </p:nvSpPr>
         <p:spPr>
           <a:xfrm>
-            <a:off x="3574415" y="3173730"/>
+            <a:off x="3575298" y="3173730"/>
             <a:ext cx="1381125" cy="510540"/>
           </a:xfrm>
           <a:prstGeom prst="roundRect">
@@ -6259,7 +6218,7 @@
         </p:nvSpPr>
         <p:spPr>
           <a:xfrm>
-            <a:off x="5787390" y="3173730"/>
+            <a:off x="5788273" y="3173730"/>
             <a:ext cx="1381125" cy="510540"/>
           </a:xfrm>
           <a:prstGeom prst="roundRect">
@@ -6318,7 +6277,7 @@
         </p:nvCxnSpPr>
         <p:spPr>
           <a:xfrm flipH="1">
-            <a:off x="2740025" y="3429000"/>
+            <a:off x="2740908" y="3429000"/>
             <a:ext cx="834390" cy="0"/>
           </a:xfrm>
           <a:prstGeom prst="straightConnector1">
@@ -6354,7 +6313,7 @@
         </p:nvCxnSpPr>
         <p:spPr>
           <a:xfrm flipH="1">
-            <a:off x="4955540" y="3429000"/>
+            <a:off x="4956423" y="3429000"/>
             <a:ext cx="834390" cy="0"/>
           </a:xfrm>
           <a:prstGeom prst="straightConnector1">
@@ -6390,7 +6349,7 @@
         </p:nvSpPr>
         <p:spPr>
           <a:xfrm>
-            <a:off x="758190" y="674370"/>
+            <a:off x="759073" y="674370"/>
             <a:ext cx="3051175" cy="583565"/>
           </a:xfrm>
           <a:prstGeom prst="rect">
@@ -6425,7 +6384,7 @@
         </p:nvSpPr>
         <p:spPr>
           <a:xfrm>
-            <a:off x="1358900" y="2162810"/>
+            <a:off x="1359783" y="2162810"/>
             <a:ext cx="1381125" cy="510540"/>
           </a:xfrm>
           <a:prstGeom prst="roundRect">
@@ -6479,7 +6438,7 @@
         </p:nvCxnSpPr>
         <p:spPr>
           <a:xfrm flipH="1">
-            <a:off x="2047875" y="2647950"/>
+            <a:off x="2048758" y="2647950"/>
             <a:ext cx="2540" cy="525780"/>
           </a:xfrm>
           <a:prstGeom prst="straightConnector1">
@@ -6515,7 +6474,7 @@
         </p:nvSpPr>
         <p:spPr>
           <a:xfrm>
-            <a:off x="5789930" y="4140835"/>
+            <a:off x="5790813" y="4140835"/>
             <a:ext cx="1381125" cy="510540"/>
           </a:xfrm>
           <a:prstGeom prst="roundRect">
@@ -6572,7 +6531,7 @@
         </p:nvCxnSpPr>
         <p:spPr>
           <a:xfrm flipH="1" flipV="1">
-            <a:off x="6478270" y="3684270"/>
+            <a:off x="6479153" y="3684270"/>
             <a:ext cx="2540" cy="456565"/>
           </a:xfrm>
           <a:prstGeom prst="straightConnector1">
@@ -6608,7 +6567,7 @@
         </p:nvSpPr>
         <p:spPr>
           <a:xfrm>
-            <a:off x="5787390" y="1122680"/>
+            <a:off x="5788273" y="1122680"/>
             <a:ext cx="1381125" cy="510540"/>
           </a:xfrm>
           <a:prstGeom prst="roundRect">
@@ -6662,7 +6621,7 @@
         </p:nvCxnSpPr>
         <p:spPr>
           <a:xfrm>
-            <a:off x="6478270" y="1633220"/>
+            <a:off x="6479153" y="1633220"/>
             <a:ext cx="0" cy="529590"/>
           </a:xfrm>
           <a:prstGeom prst="straightConnector1">
@@ -6698,7 +6657,7 @@
         </p:nvCxnSpPr>
         <p:spPr>
           <a:xfrm flipH="1" flipV="1">
-            <a:off x="6480810" y="4651375"/>
+            <a:off x="6481693" y="4651375"/>
             <a:ext cx="2540" cy="456565"/>
           </a:xfrm>
           <a:prstGeom prst="straightConnector1">
@@ -6734,7 +6693,7 @@
         </p:nvSpPr>
         <p:spPr>
           <a:xfrm>
-            <a:off x="8014970" y="3173730"/>
+            <a:off x="8015853" y="3173730"/>
             <a:ext cx="1381125" cy="510540"/>
           </a:xfrm>
           <a:prstGeom prst="roundRect">
@@ -6773,7 +6732,7 @@
                   <a:schemeClr val="tx1"/>
                 </a:solidFill>
               </a:rPr>
-              <a:t>f30ab</a:t>
+              <a:t>87ab2</a:t>
             </a:r>
             <a:endParaRPr lang="en-US" altLang="zh-CN">
               <a:solidFill>
@@ -6791,7 +6750,7 @@
         </p:nvCxnSpPr>
         <p:spPr>
           <a:xfrm flipH="1">
-            <a:off x="7171055" y="3429000"/>
+            <a:off x="7171938" y="3429000"/>
             <a:ext cx="834390" cy="0"/>
           </a:xfrm>
           <a:prstGeom prst="straightConnector1">
@@ -6827,7 +6786,7 @@
         </p:nvSpPr>
         <p:spPr>
           <a:xfrm>
-            <a:off x="8014970" y="2162810"/>
+            <a:off x="8015853" y="2162810"/>
             <a:ext cx="1381125" cy="510540"/>
           </a:xfrm>
           <a:prstGeom prst="roundRect">
@@ -6884,7 +6843,7 @@
         </p:nvCxnSpPr>
         <p:spPr>
           <a:xfrm flipH="1">
-            <a:off x="7171690" y="2418080"/>
+            <a:off x="7172573" y="2418080"/>
             <a:ext cx="833755" cy="799465"/>
           </a:xfrm>
           <a:prstGeom prst="straightConnector1">
@@ -8491,22 +8450,4036 @@
     </p:tnLst>
     <p:bldLst>
       <p:bldP spid="45" grpId="0"/>
-      <p:bldP spid="6" grpId="0" animBg="1"/>
-      <p:bldP spid="27" grpId="0" animBg="1"/>
-      <p:bldP spid="8" grpId="0" animBg="1"/>
-      <p:bldP spid="27" grpId="1" animBg="1"/>
+      <p:bldP spid="6" grpId="0" bldLvl="0" animBg="1"/>
+      <p:bldP spid="27" grpId="0" bldLvl="0" animBg="1"/>
+      <p:bldP spid="8" grpId="0" bldLvl="0" animBg="1"/>
+      <p:bldP spid="27" grpId="1" bldLvl="0" animBg="1"/>
       <p:bldP spid="9" grpId="0" bldLvl="0" animBg="1"/>
-      <p:bldP spid="27" grpId="2" animBg="1"/>
+      <p:bldP spid="27" grpId="2" bldLvl="0" animBg="1"/>
       <p:bldP spid="34" grpId="0" bldLvl="0" animBg="1"/>
       <p:bldP spid="40" grpId="1" bldLvl="0" animBg="1"/>
       <p:bldP spid="40" grpId="2" bldLvl="0" animBg="1"/>
       <p:bldP spid="49" grpId="0" bldLvl="0" animBg="1"/>
-      <p:bldP spid="34" grpId="1" animBg="1"/>
+      <p:bldP spid="34" grpId="1" bldLvl="0" animBg="1"/>
       <p:bldP spid="40" grpId="3" bldLvl="0" animBg="1"/>
       <p:bldP spid="40" grpId="4" bldLvl="0" animBg="1"/>
       <p:bldP spid="55" grpId="0" bldLvl="0" animBg="1"/>
+      <p:bldP spid="27" grpId="3" bldLvl="0" animBg="1"/>
+      <p:bldP spid="40" grpId="5" bldLvl="0" animBg="1"/>
+    </p:bldLst>
+  </p:timing>
+</p:sld>
+</file>
+
+<file path=ppt/slides/slide4.xml><?xml version="1.0" encoding="utf-8"?>
+<p:sld xmlns:a="http://schemas.openxmlformats.org/drawingml/2006/main" xmlns:r="http://schemas.openxmlformats.org/officeDocument/2006/relationships" xmlns:p="http://schemas.openxmlformats.org/presentationml/2006/main">
+  <p:cSld>
+    <p:spTree>
+      <p:nvGrpSpPr>
+        <p:cNvPr id="1" name=""/>
+        <p:cNvGrpSpPr/>
+        <p:nvPr/>
+      </p:nvGrpSpPr>
+      <p:grpSpPr/>
+      <p:sp>
+        <p:nvSpPr>
+          <p:cNvPr id="45" name="文本框 44"/>
+          <p:cNvSpPr txBox="1"/>
+          <p:nvPr/>
+        </p:nvSpPr>
+        <p:spPr>
+          <a:xfrm>
+            <a:off x="758190" y="674370"/>
+            <a:ext cx="3051175" cy="583565"/>
+          </a:xfrm>
+          <a:prstGeom prst="rect">
+            <a:avLst/>
+          </a:prstGeom>
+          <a:noFill/>
+        </p:spPr>
+        <p:txBody>
+          <a:bodyPr wrap="square" rtlCol="0">
+            <a:spAutoFit/>
+          </a:bodyPr>
+          <a:p>
+            <a:r>
+              <a:rPr lang="zh-CN" altLang="en-US" sz="3200" b="1">
+                <a:latin typeface="苹方-简" panose="020B0400000000000000" charset="-122"/>
+                <a:ea typeface="苹方-简" panose="020B0400000000000000" charset="-122"/>
+              </a:rPr>
+              <a:t>分支合并</a:t>
+            </a:r>
+            <a:endParaRPr lang="zh-CN" altLang="en-US" sz="3200" b="1">
+              <a:latin typeface="苹方-简" panose="020B0400000000000000" charset="-122"/>
+              <a:ea typeface="苹方-简" panose="020B0400000000000000" charset="-122"/>
+            </a:endParaRPr>
+          </a:p>
+        </p:txBody>
+      </p:sp>
+      <p:sp>
+        <p:nvSpPr>
+          <p:cNvPr id="6" name="V0"/>
+          <p:cNvSpPr/>
+          <p:nvPr/>
+        </p:nvSpPr>
+        <p:spPr>
+          <a:xfrm>
+            <a:off x="759073" y="4286885"/>
+            <a:ext cx="1381125" cy="510540"/>
+          </a:xfrm>
+          <a:prstGeom prst="roundRect">
+            <a:avLst/>
+          </a:prstGeom>
+          <a:solidFill>
+            <a:schemeClr val="accent1">
+              <a:lumMod val="20000"/>
+              <a:lumOff val="80000"/>
+            </a:schemeClr>
+          </a:solidFill>
+        </p:spPr>
+        <p:style>
+          <a:lnRef idx="2">
+            <a:schemeClr val="accent1">
+              <a:shade val="50000"/>
+            </a:schemeClr>
+          </a:lnRef>
+          <a:fillRef idx="1">
+            <a:schemeClr val="accent1"/>
+          </a:fillRef>
+          <a:effectRef idx="0">
+            <a:schemeClr val="accent1"/>
+          </a:effectRef>
+          <a:fontRef idx="minor">
+            <a:schemeClr val="lt1"/>
+          </a:fontRef>
+        </p:style>
+        <p:txBody>
+          <a:bodyPr rtlCol="0" anchor="ctr"/>
+          <a:p>
+            <a:pPr algn="ctr"/>
+            <a:r>
+              <a:rPr lang="en-US" altLang="zh-CN">
+                <a:solidFill>
+                  <a:schemeClr val="tx1"/>
+                </a:solidFill>
+              </a:rPr>
+              <a:t>V0</a:t>
+            </a:r>
+            <a:endParaRPr lang="en-US" altLang="zh-CN">
+              <a:solidFill>
+                <a:schemeClr val="tx1"/>
+              </a:solidFill>
+            </a:endParaRPr>
+          </a:p>
+        </p:txBody>
+      </p:sp>
+      <p:sp>
+        <p:nvSpPr>
+          <p:cNvPr id="8" name="V1"/>
+          <p:cNvSpPr/>
+          <p:nvPr/>
+        </p:nvSpPr>
+        <p:spPr>
+          <a:xfrm>
+            <a:off x="2974588" y="4286885"/>
+            <a:ext cx="1381125" cy="510540"/>
+          </a:xfrm>
+          <a:prstGeom prst="roundRect">
+            <a:avLst/>
+          </a:prstGeom>
+          <a:solidFill>
+            <a:schemeClr val="accent1">
+              <a:lumMod val="20000"/>
+              <a:lumOff val="80000"/>
+            </a:schemeClr>
+          </a:solidFill>
+        </p:spPr>
+        <p:style>
+          <a:lnRef idx="2">
+            <a:schemeClr val="accent1">
+              <a:shade val="50000"/>
+            </a:schemeClr>
+          </a:lnRef>
+          <a:fillRef idx="1">
+            <a:schemeClr val="accent1"/>
+          </a:fillRef>
+          <a:effectRef idx="0">
+            <a:schemeClr val="accent1"/>
+          </a:effectRef>
+          <a:fontRef idx="minor">
+            <a:schemeClr val="lt1"/>
+          </a:fontRef>
+        </p:style>
+        <p:txBody>
+          <a:bodyPr rtlCol="0" anchor="ctr"/>
+          <a:p>
+            <a:pPr algn="ctr"/>
+            <a:r>
+              <a:rPr lang="en-US" altLang="zh-CN">
+                <a:solidFill>
+                  <a:schemeClr val="tx1"/>
+                </a:solidFill>
+              </a:rPr>
+              <a:t>V1</a:t>
+            </a:r>
+            <a:endParaRPr lang="en-US" altLang="zh-CN">
+              <a:solidFill>
+                <a:schemeClr val="tx1"/>
+              </a:solidFill>
+            </a:endParaRPr>
+          </a:p>
+        </p:txBody>
+      </p:sp>
+      <p:sp>
+        <p:nvSpPr>
+          <p:cNvPr id="9" name="V3"/>
+          <p:cNvSpPr/>
+          <p:nvPr/>
+        </p:nvSpPr>
+        <p:spPr>
+          <a:xfrm>
+            <a:off x="5187563" y="4286885"/>
+            <a:ext cx="1381125" cy="510540"/>
+          </a:xfrm>
+          <a:prstGeom prst="roundRect">
+            <a:avLst/>
+          </a:prstGeom>
+          <a:solidFill>
+            <a:schemeClr val="accent1">
+              <a:lumMod val="20000"/>
+              <a:lumOff val="80000"/>
+            </a:schemeClr>
+          </a:solidFill>
+        </p:spPr>
+        <p:style>
+          <a:lnRef idx="2">
+            <a:schemeClr val="accent1">
+              <a:shade val="50000"/>
+            </a:schemeClr>
+          </a:lnRef>
+          <a:fillRef idx="1">
+            <a:schemeClr val="accent1"/>
+          </a:fillRef>
+          <a:effectRef idx="0">
+            <a:schemeClr val="accent1"/>
+          </a:effectRef>
+          <a:fontRef idx="minor">
+            <a:schemeClr val="lt1"/>
+          </a:fontRef>
+        </p:style>
+        <p:txBody>
+          <a:bodyPr rtlCol="0" anchor="ctr"/>
+          <a:p>
+            <a:pPr algn="ctr"/>
+            <a:r>
+              <a:rPr lang="en-US" altLang="zh-CN">
+                <a:solidFill>
+                  <a:schemeClr val="tx1"/>
+                </a:solidFill>
+              </a:rPr>
+              <a:t>V2</a:t>
+            </a:r>
+            <a:endParaRPr lang="en-US" altLang="zh-CN">
+              <a:solidFill>
+                <a:schemeClr val="tx1"/>
+              </a:solidFill>
+            </a:endParaRPr>
+          </a:p>
+        </p:txBody>
+      </p:sp>
+      <p:cxnSp>
+        <p:nvCxnSpPr>
+          <p:cNvPr id="10" name="直接箭头连接符 9"/>
+          <p:cNvCxnSpPr>
+            <a:stCxn id="8" idx="1"/>
+          </p:cNvCxnSpPr>
+          <p:nvPr/>
+        </p:nvCxnSpPr>
+        <p:spPr>
+          <a:xfrm flipH="1">
+            <a:off x="2140198" y="4542155"/>
+            <a:ext cx="834390" cy="0"/>
+          </a:xfrm>
+          <a:prstGeom prst="straightConnector1">
+            <a:avLst/>
+          </a:prstGeom>
+          <a:ln w="25400">
+            <a:solidFill>
+              <a:schemeClr val="tx1"/>
+            </a:solidFill>
+            <a:tailEnd type="stealth" w="lg" len="lg"/>
+          </a:ln>
+        </p:spPr>
+        <p:style>
+          <a:lnRef idx="1">
+            <a:schemeClr val="accent1"/>
+          </a:lnRef>
+          <a:fillRef idx="0">
+            <a:schemeClr val="accent1"/>
+          </a:fillRef>
+          <a:effectRef idx="0">
+            <a:schemeClr val="accent1"/>
+          </a:effectRef>
+          <a:fontRef idx="minor">
+            <a:schemeClr val="tx1"/>
+          </a:fontRef>
+        </p:style>
+      </p:cxnSp>
+      <p:cxnSp>
+        <p:nvCxnSpPr>
+          <p:cNvPr id="11" name="直接箭头连接符 10"/>
+          <p:cNvCxnSpPr/>
+          <p:nvPr/>
+        </p:nvCxnSpPr>
+        <p:spPr>
+          <a:xfrm flipH="1">
+            <a:off x="4355713" y="4542155"/>
+            <a:ext cx="834390" cy="0"/>
+          </a:xfrm>
+          <a:prstGeom prst="straightConnector1">
+            <a:avLst/>
+          </a:prstGeom>
+          <a:ln w="25400">
+            <a:solidFill>
+              <a:schemeClr val="tx1"/>
+            </a:solidFill>
+            <a:tailEnd type="stealth" w="lg" len="lg"/>
+          </a:ln>
+        </p:spPr>
+        <p:style>
+          <a:lnRef idx="1">
+            <a:schemeClr val="accent1"/>
+          </a:lnRef>
+          <a:fillRef idx="0">
+            <a:schemeClr val="accent1"/>
+          </a:fillRef>
+          <a:effectRef idx="0">
+            <a:schemeClr val="accent1"/>
+          </a:effectRef>
+          <a:fontRef idx="minor">
+            <a:schemeClr val="tx1"/>
+          </a:fontRef>
+        </p:style>
+      </p:cxnSp>
+      <p:sp>
+        <p:nvSpPr>
+          <p:cNvPr id="27" name="master"/>
+          <p:cNvSpPr/>
+          <p:nvPr/>
+        </p:nvSpPr>
+        <p:spPr>
+          <a:xfrm>
+            <a:off x="5190103" y="3250565"/>
+            <a:ext cx="1381125" cy="510540"/>
+          </a:xfrm>
+          <a:prstGeom prst="roundRect">
+            <a:avLst/>
+          </a:prstGeom>
+          <a:solidFill>
+            <a:srgbClr val="EF524A"/>
+          </a:solidFill>
+        </p:spPr>
+        <p:style>
+          <a:lnRef idx="2">
+            <a:schemeClr val="accent1">
+              <a:shade val="50000"/>
+            </a:schemeClr>
+          </a:lnRef>
+          <a:fillRef idx="1">
+            <a:schemeClr val="accent1"/>
+          </a:fillRef>
+          <a:effectRef idx="0">
+            <a:schemeClr val="accent1"/>
+          </a:effectRef>
+          <a:fontRef idx="minor">
+            <a:schemeClr val="lt1"/>
+          </a:fontRef>
+        </p:style>
+        <p:txBody>
+          <a:bodyPr rtlCol="0" anchor="ctr"/>
+          <a:p>
+            <a:pPr algn="ctr"/>
+            <a:r>
+              <a:rPr lang="en-US" altLang="zh-CN">
+                <a:solidFill>
+                  <a:schemeClr val="tx1"/>
+                </a:solidFill>
+              </a:rPr>
+              <a:t>master</a:t>
+            </a:r>
+            <a:endParaRPr lang="en-US" altLang="zh-CN">
+              <a:solidFill>
+                <a:schemeClr val="tx1"/>
+              </a:solidFill>
+            </a:endParaRPr>
+          </a:p>
+        </p:txBody>
+      </p:sp>
+      <p:cxnSp>
+        <p:nvCxnSpPr>
+          <p:cNvPr id="28" name="直接箭头连接符 27"/>
+          <p:cNvCxnSpPr/>
+          <p:nvPr/>
+        </p:nvCxnSpPr>
+        <p:spPr>
+          <a:xfrm flipH="1">
+            <a:off x="5876538" y="3761105"/>
+            <a:ext cx="2540" cy="525780"/>
+          </a:xfrm>
+          <a:prstGeom prst="straightConnector1">
+            <a:avLst/>
+          </a:prstGeom>
+          <a:ln w="25400">
+            <a:solidFill>
+              <a:schemeClr val="tx1"/>
+            </a:solidFill>
+            <a:tailEnd type="stealth" w="lg" len="lg"/>
+          </a:ln>
+        </p:spPr>
+        <p:style>
+          <a:lnRef idx="1">
+            <a:schemeClr val="accent1"/>
+          </a:lnRef>
+          <a:fillRef idx="0">
+            <a:schemeClr val="accent1"/>
+          </a:fillRef>
+          <a:effectRef idx="0">
+            <a:schemeClr val="accent1"/>
+          </a:effectRef>
+          <a:fontRef idx="minor">
+            <a:schemeClr val="tx1"/>
+          </a:fontRef>
+        </p:style>
+      </p:cxnSp>
+      <p:sp>
+        <p:nvSpPr>
+          <p:cNvPr id="4" name="iss53"/>
+          <p:cNvSpPr/>
+          <p:nvPr/>
+        </p:nvSpPr>
+        <p:spPr>
+          <a:xfrm>
+            <a:off x="5190103" y="5330190"/>
+            <a:ext cx="1381125" cy="510540"/>
+          </a:xfrm>
+          <a:prstGeom prst="roundRect">
+            <a:avLst/>
+          </a:prstGeom>
+          <a:solidFill>
+            <a:srgbClr val="EF524A"/>
+          </a:solidFill>
+        </p:spPr>
+        <p:style>
+          <a:lnRef idx="2">
+            <a:schemeClr val="accent1">
+              <a:shade val="50000"/>
+            </a:schemeClr>
+          </a:lnRef>
+          <a:fillRef idx="1">
+            <a:schemeClr val="accent1"/>
+          </a:fillRef>
+          <a:effectRef idx="0">
+            <a:schemeClr val="accent1"/>
+          </a:effectRef>
+          <a:fontRef idx="minor">
+            <a:schemeClr val="lt1"/>
+          </a:fontRef>
+        </p:style>
+        <p:txBody>
+          <a:bodyPr rtlCol="0" anchor="ctr"/>
+          <a:p>
+            <a:pPr algn="ctr"/>
+            <a:r>
+              <a:rPr lang="en-US" altLang="zh-CN">
+                <a:solidFill>
+                  <a:schemeClr val="tx1"/>
+                </a:solidFill>
+              </a:rPr>
+              <a:t>iss53</a:t>
+            </a:r>
+            <a:endParaRPr lang="en-US" altLang="zh-CN">
+              <a:solidFill>
+                <a:schemeClr val="tx1"/>
+              </a:solidFill>
+            </a:endParaRPr>
+          </a:p>
+        </p:txBody>
+      </p:sp>
+      <p:cxnSp>
+        <p:nvCxnSpPr>
+          <p:cNvPr id="5" name="直接箭头连接符 4"/>
+          <p:cNvCxnSpPr>
+            <a:stCxn id="4" idx="0"/>
+          </p:cNvCxnSpPr>
+          <p:nvPr/>
+        </p:nvCxnSpPr>
+        <p:spPr>
+          <a:xfrm flipH="1" flipV="1">
+            <a:off x="5878443" y="4797425"/>
+            <a:ext cx="2540" cy="532765"/>
+          </a:xfrm>
+          <a:prstGeom prst="straightConnector1">
+            <a:avLst/>
+          </a:prstGeom>
+          <a:ln w="25400">
+            <a:solidFill>
+              <a:schemeClr val="tx1"/>
+            </a:solidFill>
+            <a:tailEnd type="stealth" w="lg" len="lg"/>
+          </a:ln>
+        </p:spPr>
+        <p:style>
+          <a:lnRef idx="1">
+            <a:schemeClr val="accent1"/>
+          </a:lnRef>
+          <a:fillRef idx="0">
+            <a:schemeClr val="accent1"/>
+          </a:fillRef>
+          <a:effectRef idx="0">
+            <a:schemeClr val="accent1"/>
+          </a:effectRef>
+          <a:fontRef idx="minor">
+            <a:schemeClr val="tx1"/>
+          </a:fontRef>
+        </p:style>
+      </p:cxnSp>
+      <p:sp>
+        <p:nvSpPr>
+          <p:cNvPr id="7" name="V3"/>
+          <p:cNvSpPr/>
+          <p:nvPr/>
+        </p:nvSpPr>
+        <p:spPr>
+          <a:xfrm>
+            <a:off x="7392283" y="4286885"/>
+            <a:ext cx="1381125" cy="510540"/>
+          </a:xfrm>
+          <a:prstGeom prst="roundRect">
+            <a:avLst/>
+          </a:prstGeom>
+          <a:solidFill>
+            <a:schemeClr val="accent1">
+              <a:lumMod val="20000"/>
+              <a:lumOff val="80000"/>
+            </a:schemeClr>
+          </a:solidFill>
+        </p:spPr>
+        <p:style>
+          <a:lnRef idx="2">
+            <a:schemeClr val="accent1">
+              <a:shade val="50000"/>
+            </a:schemeClr>
+          </a:lnRef>
+          <a:fillRef idx="1">
+            <a:schemeClr val="accent1"/>
+          </a:fillRef>
+          <a:effectRef idx="0">
+            <a:schemeClr val="accent1"/>
+          </a:effectRef>
+          <a:fontRef idx="minor">
+            <a:schemeClr val="lt1"/>
+          </a:fontRef>
+        </p:style>
+        <p:txBody>
+          <a:bodyPr rtlCol="0" anchor="ctr"/>
+          <a:p>
+            <a:pPr algn="ctr"/>
+            <a:r>
+              <a:rPr lang="en-US" altLang="zh-CN">
+                <a:solidFill>
+                  <a:schemeClr val="tx1"/>
+                </a:solidFill>
+              </a:rPr>
+              <a:t>V3</a:t>
+            </a:r>
+            <a:endParaRPr lang="en-US" altLang="zh-CN">
+              <a:solidFill>
+                <a:schemeClr val="tx1"/>
+              </a:solidFill>
+            </a:endParaRPr>
+          </a:p>
+        </p:txBody>
+      </p:sp>
+      <p:cxnSp>
+        <p:nvCxnSpPr>
+          <p:cNvPr id="12" name="直接箭头连接符 11"/>
+          <p:cNvCxnSpPr/>
+          <p:nvPr/>
+        </p:nvCxnSpPr>
+        <p:spPr>
+          <a:xfrm flipH="1">
+            <a:off x="6560433" y="4542155"/>
+            <a:ext cx="834390" cy="0"/>
+          </a:xfrm>
+          <a:prstGeom prst="straightConnector1">
+            <a:avLst/>
+          </a:prstGeom>
+          <a:ln w="25400">
+            <a:solidFill>
+              <a:schemeClr val="tx1"/>
+            </a:solidFill>
+            <a:tailEnd type="stealth" w="lg" len="lg"/>
+          </a:ln>
+        </p:spPr>
+        <p:style>
+          <a:lnRef idx="1">
+            <a:schemeClr val="accent1"/>
+          </a:lnRef>
+          <a:fillRef idx="0">
+            <a:schemeClr val="accent1"/>
+          </a:fillRef>
+          <a:effectRef idx="0">
+            <a:schemeClr val="accent1"/>
+          </a:effectRef>
+          <a:fontRef idx="minor">
+            <a:schemeClr val="tx1"/>
+          </a:fontRef>
+        </p:style>
+      </p:cxnSp>
+      <p:sp>
+        <p:nvSpPr>
+          <p:cNvPr id="40" name="HEAD"/>
+          <p:cNvSpPr/>
+          <p:nvPr/>
+        </p:nvSpPr>
+        <p:spPr>
+          <a:xfrm>
+            <a:off x="5179308" y="2207895"/>
+            <a:ext cx="1381125" cy="510540"/>
+          </a:xfrm>
+          <a:prstGeom prst="roundRect">
+            <a:avLst/>
+          </a:prstGeom>
+          <a:solidFill>
+            <a:schemeClr val="accent4"/>
+          </a:solidFill>
+        </p:spPr>
+        <p:style>
+          <a:lnRef idx="2">
+            <a:schemeClr val="accent1">
+              <a:shade val="50000"/>
+            </a:schemeClr>
+          </a:lnRef>
+          <a:fillRef idx="1">
+            <a:schemeClr val="accent1"/>
+          </a:fillRef>
+          <a:effectRef idx="0">
+            <a:schemeClr val="accent1"/>
+          </a:effectRef>
+          <a:fontRef idx="minor">
+            <a:schemeClr val="lt1"/>
+          </a:fontRef>
+        </p:style>
+        <p:txBody>
+          <a:bodyPr rtlCol="0" anchor="ctr"/>
+          <a:p>
+            <a:pPr algn="ctr"/>
+            <a:r>
+              <a:rPr lang="en-US" altLang="zh-CN">
+                <a:solidFill>
+                  <a:schemeClr val="tx1"/>
+                </a:solidFill>
+              </a:rPr>
+              <a:t>HEAD</a:t>
+            </a:r>
+            <a:endParaRPr lang="en-US" altLang="zh-CN">
+              <a:solidFill>
+                <a:schemeClr val="tx1"/>
+              </a:solidFill>
+            </a:endParaRPr>
+          </a:p>
+        </p:txBody>
+      </p:sp>
+      <p:cxnSp>
+        <p:nvCxnSpPr>
+          <p:cNvPr id="13" name="HEAD 指针"/>
+          <p:cNvCxnSpPr/>
+          <p:nvPr/>
+        </p:nvCxnSpPr>
+        <p:spPr>
+          <a:xfrm flipH="1">
+            <a:off x="5868283" y="2724785"/>
+            <a:ext cx="2540" cy="525780"/>
+          </a:xfrm>
+          <a:prstGeom prst="straightConnector1">
+            <a:avLst/>
+          </a:prstGeom>
+          <a:ln w="25400">
+            <a:solidFill>
+              <a:schemeClr val="tx1"/>
+            </a:solidFill>
+            <a:tailEnd type="stealth" w="lg" len="lg"/>
+          </a:ln>
+        </p:spPr>
+        <p:style>
+          <a:lnRef idx="1">
+            <a:schemeClr val="accent1"/>
+          </a:lnRef>
+          <a:fillRef idx="0">
+            <a:schemeClr val="accent1"/>
+          </a:fillRef>
+          <a:effectRef idx="0">
+            <a:schemeClr val="accent1"/>
+          </a:effectRef>
+          <a:fontRef idx="minor">
+            <a:schemeClr val="tx1"/>
+          </a:fontRef>
+        </p:style>
+      </p:cxnSp>
+      <p:cxnSp>
+        <p:nvCxnSpPr>
+          <p:cNvPr id="14" name="直接箭头连接符 13"/>
+          <p:cNvCxnSpPr>
+            <a:endCxn id="4" idx="2"/>
+          </p:cNvCxnSpPr>
+          <p:nvPr/>
+        </p:nvCxnSpPr>
+        <p:spPr>
+          <a:xfrm flipH="1" flipV="1">
+            <a:off x="5880983" y="5840730"/>
+            <a:ext cx="11430" cy="266700"/>
+          </a:xfrm>
+          <a:prstGeom prst="straightConnector1">
+            <a:avLst/>
+          </a:prstGeom>
+          <a:ln w="25400">
+            <a:solidFill>
+              <a:schemeClr val="tx1"/>
+            </a:solidFill>
+            <a:tailEnd type="stealth" w="lg" len="lg"/>
+          </a:ln>
+        </p:spPr>
+        <p:style>
+          <a:lnRef idx="1">
+            <a:schemeClr val="accent1"/>
+          </a:lnRef>
+          <a:fillRef idx="0">
+            <a:schemeClr val="accent1"/>
+          </a:fillRef>
+          <a:effectRef idx="0">
+            <a:schemeClr val="accent1"/>
+          </a:effectRef>
+          <a:fontRef idx="minor">
+            <a:schemeClr val="tx1"/>
+          </a:fontRef>
+        </p:style>
+      </p:cxnSp>
+      <p:sp>
+        <p:nvSpPr>
+          <p:cNvPr id="17" name="V4"/>
+          <p:cNvSpPr/>
+          <p:nvPr/>
+        </p:nvSpPr>
+        <p:spPr>
+          <a:xfrm>
+            <a:off x="7394823" y="3250565"/>
+            <a:ext cx="1381125" cy="510540"/>
+          </a:xfrm>
+          <a:prstGeom prst="roundRect">
+            <a:avLst/>
+          </a:prstGeom>
+          <a:solidFill>
+            <a:schemeClr val="accent1">
+              <a:lumMod val="20000"/>
+              <a:lumOff val="80000"/>
+            </a:schemeClr>
+          </a:solidFill>
+        </p:spPr>
+        <p:style>
+          <a:lnRef idx="2">
+            <a:schemeClr val="accent1">
+              <a:shade val="50000"/>
+            </a:schemeClr>
+          </a:lnRef>
+          <a:fillRef idx="1">
+            <a:schemeClr val="accent1"/>
+          </a:fillRef>
+          <a:effectRef idx="0">
+            <a:schemeClr val="accent1"/>
+          </a:effectRef>
+          <a:fontRef idx="minor">
+            <a:schemeClr val="lt1"/>
+          </a:fontRef>
+        </p:style>
+        <p:txBody>
+          <a:bodyPr rtlCol="0" anchor="ctr"/>
+          <a:p>
+            <a:pPr algn="ctr"/>
+            <a:r>
+              <a:rPr lang="en-US" altLang="zh-CN">
+                <a:solidFill>
+                  <a:schemeClr val="tx1"/>
+                </a:solidFill>
+              </a:rPr>
+              <a:t>V4</a:t>
+            </a:r>
+            <a:endParaRPr lang="en-US" altLang="zh-CN">
+              <a:solidFill>
+                <a:schemeClr val="tx1"/>
+              </a:solidFill>
+            </a:endParaRPr>
+          </a:p>
+        </p:txBody>
+      </p:sp>
+      <p:cxnSp>
+        <p:nvCxnSpPr>
+          <p:cNvPr id="18" name="直接箭头连接符 17"/>
+          <p:cNvCxnSpPr/>
+          <p:nvPr/>
+        </p:nvCxnSpPr>
+        <p:spPr>
+          <a:xfrm flipH="1">
+            <a:off x="6553448" y="3505835"/>
+            <a:ext cx="843915" cy="795020"/>
+          </a:xfrm>
+          <a:prstGeom prst="straightConnector1">
+            <a:avLst/>
+          </a:prstGeom>
+          <a:ln w="25400">
+            <a:solidFill>
+              <a:schemeClr val="tx1"/>
+            </a:solidFill>
+            <a:tailEnd type="stealth" w="lg" len="lg"/>
+          </a:ln>
+        </p:spPr>
+        <p:style>
+          <a:lnRef idx="1">
+            <a:schemeClr val="accent1"/>
+          </a:lnRef>
+          <a:fillRef idx="0">
+            <a:schemeClr val="accent1"/>
+          </a:fillRef>
+          <a:effectRef idx="0">
+            <a:schemeClr val="accent1"/>
+          </a:effectRef>
+          <a:fontRef idx="minor">
+            <a:schemeClr val="tx1"/>
+          </a:fontRef>
+        </p:style>
+      </p:cxnSp>
+      <p:cxnSp>
+        <p:nvCxnSpPr>
+          <p:cNvPr id="24" name="直接箭头连接符 23"/>
+          <p:cNvCxnSpPr/>
+          <p:nvPr/>
+        </p:nvCxnSpPr>
+        <p:spPr>
+          <a:xfrm flipH="1" flipV="1">
+            <a:off x="5878443" y="4797425"/>
+            <a:ext cx="2540" cy="532765"/>
+          </a:xfrm>
+          <a:prstGeom prst="straightConnector1">
+            <a:avLst/>
+          </a:prstGeom>
+          <a:ln w="25400">
+            <a:solidFill>
+              <a:schemeClr val="tx1"/>
+            </a:solidFill>
+            <a:tailEnd type="stealth" w="lg" len="lg"/>
+          </a:ln>
+        </p:spPr>
+        <p:style>
+          <a:lnRef idx="1">
+            <a:schemeClr val="accent1"/>
+          </a:lnRef>
+          <a:fillRef idx="0">
+            <a:schemeClr val="accent1"/>
+          </a:fillRef>
+          <a:effectRef idx="0">
+            <a:schemeClr val="accent1"/>
+          </a:effectRef>
+          <a:fontRef idx="minor">
+            <a:schemeClr val="tx1"/>
+          </a:fontRef>
+        </p:style>
+      </p:cxnSp>
+      <p:sp>
+        <p:nvSpPr>
+          <p:cNvPr id="26" name="hotFix"/>
+          <p:cNvSpPr/>
+          <p:nvPr/>
+        </p:nvSpPr>
+        <p:spPr>
+          <a:xfrm>
+            <a:off x="5190103" y="3250565"/>
+            <a:ext cx="1381125" cy="510540"/>
+          </a:xfrm>
+          <a:prstGeom prst="roundRect">
+            <a:avLst/>
+          </a:prstGeom>
+          <a:solidFill>
+            <a:srgbClr val="EF524A"/>
+          </a:solidFill>
+        </p:spPr>
+        <p:style>
+          <a:lnRef idx="2">
+            <a:schemeClr val="accent1">
+              <a:shade val="50000"/>
+            </a:schemeClr>
+          </a:lnRef>
+          <a:fillRef idx="1">
+            <a:schemeClr val="accent1"/>
+          </a:fillRef>
+          <a:effectRef idx="0">
+            <a:schemeClr val="accent1"/>
+          </a:effectRef>
+          <a:fontRef idx="minor">
+            <a:schemeClr val="lt1"/>
+          </a:fontRef>
+        </p:style>
+        <p:txBody>
+          <a:bodyPr rtlCol="0" anchor="ctr"/>
+          <a:p>
+            <a:pPr algn="ctr"/>
+            <a:r>
+              <a:rPr lang="en-US" altLang="zh-CN">
+                <a:solidFill>
+                  <a:schemeClr val="tx1"/>
+                </a:solidFill>
+              </a:rPr>
+              <a:t>hotFix</a:t>
+            </a:r>
+            <a:endParaRPr lang="en-US" altLang="zh-CN">
+              <a:solidFill>
+                <a:schemeClr val="tx1"/>
+              </a:solidFill>
+            </a:endParaRPr>
+          </a:p>
+        </p:txBody>
+      </p:sp>
+      <p:cxnSp>
+        <p:nvCxnSpPr>
+          <p:cNvPr id="29" name="直接箭头连接符 28"/>
+          <p:cNvCxnSpPr/>
+          <p:nvPr/>
+        </p:nvCxnSpPr>
+        <p:spPr>
+          <a:xfrm flipH="1">
+            <a:off x="5878443" y="3775075"/>
+            <a:ext cx="2540" cy="525780"/>
+          </a:xfrm>
+          <a:prstGeom prst="straightConnector1">
+            <a:avLst/>
+          </a:prstGeom>
+          <a:ln w="25400">
+            <a:solidFill>
+              <a:schemeClr val="tx1"/>
+            </a:solidFill>
+            <a:tailEnd type="stealth" w="lg" len="lg"/>
+          </a:ln>
+        </p:spPr>
+        <p:style>
+          <a:lnRef idx="1">
+            <a:schemeClr val="accent1"/>
+          </a:lnRef>
+          <a:fillRef idx="0">
+            <a:schemeClr val="accent1"/>
+          </a:fillRef>
+          <a:effectRef idx="0">
+            <a:schemeClr val="accent1"/>
+          </a:effectRef>
+          <a:fontRef idx="minor">
+            <a:schemeClr val="tx1"/>
+          </a:fontRef>
+        </p:style>
+      </p:cxnSp>
+      <p:cxnSp>
+        <p:nvCxnSpPr>
+          <p:cNvPr id="30" name="特殊指针"/>
+          <p:cNvCxnSpPr/>
+          <p:nvPr/>
+        </p:nvCxnSpPr>
+        <p:spPr>
+          <a:xfrm flipH="1">
+            <a:off x="8031728" y="1682115"/>
+            <a:ext cx="2540" cy="525780"/>
+          </a:xfrm>
+          <a:prstGeom prst="straightConnector1">
+            <a:avLst/>
+          </a:prstGeom>
+          <a:ln w="25400">
+            <a:solidFill>
+              <a:schemeClr val="tx1"/>
+            </a:solidFill>
+            <a:tailEnd type="stealth" w="lg" len="lg"/>
+          </a:ln>
+        </p:spPr>
+        <p:style>
+          <a:lnRef idx="1">
+            <a:schemeClr val="accent1"/>
+          </a:lnRef>
+          <a:fillRef idx="0">
+            <a:schemeClr val="accent1"/>
+          </a:fillRef>
+          <a:effectRef idx="0">
+            <a:schemeClr val="accent1"/>
+          </a:effectRef>
+          <a:fontRef idx="minor">
+            <a:schemeClr val="tx1"/>
+          </a:fontRef>
+        </p:style>
+      </p:cxnSp>
+      <p:sp>
+        <p:nvSpPr>
+          <p:cNvPr id="31" name="V5"/>
+          <p:cNvSpPr/>
+          <p:nvPr/>
+        </p:nvSpPr>
+        <p:spPr>
+          <a:xfrm>
+            <a:off x="9600178" y="4286885"/>
+            <a:ext cx="1381125" cy="510540"/>
+          </a:xfrm>
+          <a:prstGeom prst="roundRect">
+            <a:avLst/>
+          </a:prstGeom>
+          <a:solidFill>
+            <a:schemeClr val="accent1">
+              <a:lumMod val="20000"/>
+              <a:lumOff val="80000"/>
+            </a:schemeClr>
+          </a:solidFill>
+        </p:spPr>
+        <p:style>
+          <a:lnRef idx="2">
+            <a:schemeClr val="accent1">
+              <a:shade val="50000"/>
+            </a:schemeClr>
+          </a:lnRef>
+          <a:fillRef idx="1">
+            <a:schemeClr val="accent1"/>
+          </a:fillRef>
+          <a:effectRef idx="0">
+            <a:schemeClr val="accent1"/>
+          </a:effectRef>
+          <a:fontRef idx="minor">
+            <a:schemeClr val="lt1"/>
+          </a:fontRef>
+        </p:style>
+        <p:txBody>
+          <a:bodyPr rtlCol="0" anchor="ctr"/>
+          <a:p>
+            <a:pPr algn="ctr"/>
+            <a:r>
+              <a:rPr lang="en-US" altLang="zh-CN">
+                <a:solidFill>
+                  <a:schemeClr val="tx1"/>
+                </a:solidFill>
+              </a:rPr>
+              <a:t>V5</a:t>
+            </a:r>
+            <a:endParaRPr lang="en-US" altLang="zh-CN">
+              <a:solidFill>
+                <a:schemeClr val="tx1"/>
+              </a:solidFill>
+            </a:endParaRPr>
+          </a:p>
+        </p:txBody>
+      </p:sp>
+      <p:cxnSp>
+        <p:nvCxnSpPr>
+          <p:cNvPr id="32" name="直接箭头连接符 31"/>
+          <p:cNvCxnSpPr/>
+          <p:nvPr/>
+        </p:nvCxnSpPr>
+        <p:spPr>
+          <a:xfrm flipH="1">
+            <a:off x="8768328" y="4542155"/>
+            <a:ext cx="834390" cy="0"/>
+          </a:xfrm>
+          <a:prstGeom prst="straightConnector1">
+            <a:avLst/>
+          </a:prstGeom>
+          <a:ln w="25400">
+            <a:solidFill>
+              <a:schemeClr val="tx1"/>
+            </a:solidFill>
+            <a:tailEnd type="stealth" w="lg" len="lg"/>
+          </a:ln>
+        </p:spPr>
+        <p:style>
+          <a:lnRef idx="1">
+            <a:schemeClr val="accent1"/>
+          </a:lnRef>
+          <a:fillRef idx="0">
+            <a:schemeClr val="accent1"/>
+          </a:fillRef>
+          <a:effectRef idx="0">
+            <a:schemeClr val="accent1"/>
+          </a:effectRef>
+          <a:fontRef idx="minor">
+            <a:schemeClr val="tx1"/>
+          </a:fontRef>
+        </p:style>
+      </p:cxnSp>
+      <p:sp>
+        <p:nvSpPr>
+          <p:cNvPr id="33" name="V5"/>
+          <p:cNvSpPr/>
+          <p:nvPr/>
+        </p:nvSpPr>
+        <p:spPr>
+          <a:xfrm>
+            <a:off x="10418058" y="3250565"/>
+            <a:ext cx="1381125" cy="510540"/>
+          </a:xfrm>
+          <a:prstGeom prst="roundRect">
+            <a:avLst/>
+          </a:prstGeom>
+          <a:solidFill>
+            <a:schemeClr val="accent1">
+              <a:lumMod val="20000"/>
+              <a:lumOff val="80000"/>
+            </a:schemeClr>
+          </a:solidFill>
+        </p:spPr>
+        <p:style>
+          <a:lnRef idx="2">
+            <a:schemeClr val="accent1">
+              <a:shade val="50000"/>
+            </a:schemeClr>
+          </a:lnRef>
+          <a:fillRef idx="1">
+            <a:schemeClr val="accent1"/>
+          </a:fillRef>
+          <a:effectRef idx="0">
+            <a:schemeClr val="accent1"/>
+          </a:effectRef>
+          <a:fontRef idx="minor">
+            <a:schemeClr val="lt1"/>
+          </a:fontRef>
+        </p:style>
+        <p:txBody>
+          <a:bodyPr rtlCol="0" anchor="ctr"/>
+          <a:p>
+            <a:pPr algn="ctr"/>
+            <a:r>
+              <a:rPr lang="en-US" altLang="zh-CN">
+                <a:solidFill>
+                  <a:schemeClr val="tx1"/>
+                </a:solidFill>
+              </a:rPr>
+              <a:t>V6</a:t>
+            </a:r>
+            <a:endParaRPr lang="en-US" altLang="zh-CN">
+              <a:solidFill>
+                <a:schemeClr val="tx1"/>
+              </a:solidFill>
+            </a:endParaRPr>
+          </a:p>
+        </p:txBody>
+      </p:sp>
+      <p:cxnSp>
+        <p:nvCxnSpPr>
+          <p:cNvPr id="34" name="直接箭头连接符 33"/>
+          <p:cNvCxnSpPr>
+            <a:stCxn id="33" idx="1"/>
+            <a:endCxn id="17" idx="3"/>
+          </p:cNvCxnSpPr>
+          <p:nvPr/>
+        </p:nvCxnSpPr>
+        <p:spPr>
+          <a:xfrm flipH="1">
+            <a:off x="8775700" y="3505835"/>
+            <a:ext cx="1642110" cy="0"/>
+          </a:xfrm>
+          <a:prstGeom prst="straightConnector1">
+            <a:avLst/>
+          </a:prstGeom>
+          <a:ln w="25400">
+            <a:solidFill>
+              <a:schemeClr val="tx1"/>
+            </a:solidFill>
+            <a:tailEnd type="stealth" w="lg" len="lg"/>
+          </a:ln>
+        </p:spPr>
+        <p:style>
+          <a:lnRef idx="1">
+            <a:schemeClr val="accent1"/>
+          </a:lnRef>
+          <a:fillRef idx="0">
+            <a:schemeClr val="accent1"/>
+          </a:fillRef>
+          <a:effectRef idx="0">
+            <a:schemeClr val="accent1"/>
+          </a:effectRef>
+          <a:fontRef idx="minor">
+            <a:schemeClr val="tx1"/>
+          </a:fontRef>
+        </p:style>
+      </p:cxnSp>
+      <p:cxnSp>
+        <p:nvCxnSpPr>
+          <p:cNvPr id="35" name="直接箭头连接符 34"/>
+          <p:cNvCxnSpPr>
+            <a:stCxn id="33" idx="2"/>
+          </p:cNvCxnSpPr>
+          <p:nvPr/>
+        </p:nvCxnSpPr>
+        <p:spPr>
+          <a:xfrm flipH="1">
+            <a:off x="10615930" y="3761105"/>
+            <a:ext cx="492760" cy="539750"/>
+          </a:xfrm>
+          <a:prstGeom prst="straightConnector1">
+            <a:avLst/>
+          </a:prstGeom>
+          <a:ln w="25400">
+            <a:solidFill>
+              <a:schemeClr val="tx1"/>
+            </a:solidFill>
+            <a:tailEnd type="stealth" w="lg" len="lg"/>
+          </a:ln>
+        </p:spPr>
+        <p:style>
+          <a:lnRef idx="1">
+            <a:schemeClr val="accent1"/>
+          </a:lnRef>
+          <a:fillRef idx="0">
+            <a:schemeClr val="accent1"/>
+          </a:fillRef>
+          <a:effectRef idx="0">
+            <a:schemeClr val="accent1"/>
+          </a:effectRef>
+          <a:fontRef idx="minor">
+            <a:schemeClr val="tx1"/>
+          </a:fontRef>
+        </p:style>
+      </p:cxnSp>
+    </p:spTree>
+  </p:cSld>
+  <p:clrMapOvr>
+    <a:masterClrMapping/>
+  </p:clrMapOvr>
+  <p:timing>
+    <p:tnLst>
+      <p:par>
+        <p:cTn id="1" dur="indefinite" restart="never" nodeType="tmRoot">
+          <p:childTnLst>
+            <p:seq concurrent="1" nextAc="seek">
+              <p:cTn id="2" dur="indefinite" nodeType="mainSeq">
+                <p:childTnLst>
+                  <p:par>
+                    <p:cTn id="3" fill="hold">
+                      <p:stCondLst>
+                        <p:cond delay="indefinite"/>
+                      </p:stCondLst>
+                      <p:childTnLst>
+                        <p:par>
+                          <p:cTn id="4" fill="hold">
+                            <p:stCondLst>
+                              <p:cond delay="0"/>
+                            </p:stCondLst>
+                            <p:childTnLst>
+                              <p:par>
+                                <p:cTn id="5" presetID="2" presetClass="entr" presetSubtype="1" fill="hold" grpId="0" nodeType="clickEffect">
+                                  <p:stCondLst>
+                                    <p:cond delay="0"/>
+                                  </p:stCondLst>
+                                  <p:childTnLst>
+                                    <p:set>
+                                      <p:cBhvr>
+                                        <p:cTn id="6" dur="1" fill="hold">
+                                          <p:stCondLst>
+                                            <p:cond delay="0"/>
+                                          </p:stCondLst>
+                                        </p:cTn>
+                                        <p:tgtEl>
+                                          <p:spTgt spid="45"/>
+                                        </p:tgtEl>
+                                        <p:attrNameLst>
+                                          <p:attrName>style.visibility</p:attrName>
+                                        </p:attrNameLst>
+                                      </p:cBhvr>
+                                      <p:to>
+                                        <p:strVal val="visible"/>
+                                      </p:to>
+                                    </p:set>
+                                    <p:anim calcmode="lin" valueType="num">
+                                      <p:cBhvr additive="base">
+                                        <p:cTn id="7" dur="500" fill="hold"/>
+                                        <p:tgtEl>
+                                          <p:spTgt spid="45"/>
+                                        </p:tgtEl>
+                                        <p:attrNameLst>
+                                          <p:attrName>ppt_x</p:attrName>
+                                        </p:attrNameLst>
+                                      </p:cBhvr>
+                                      <p:tavLst>
+                                        <p:tav tm="0">
+                                          <p:val>
+                                            <p:strVal val="#ppt_x"/>
+                                          </p:val>
+                                        </p:tav>
+                                        <p:tav tm="100000">
+                                          <p:val>
+                                            <p:strVal val="#ppt_x"/>
+                                          </p:val>
+                                        </p:tav>
+                                      </p:tavLst>
+                                    </p:anim>
+                                    <p:anim calcmode="lin" valueType="num">
+                                      <p:cBhvr additive="base">
+                                        <p:cTn id="8" dur="500" fill="hold"/>
+                                        <p:tgtEl>
+                                          <p:spTgt spid="45"/>
+                                        </p:tgtEl>
+                                        <p:attrNameLst>
+                                          <p:attrName>ppt_y</p:attrName>
+                                        </p:attrNameLst>
+                                      </p:cBhvr>
+                                      <p:tavLst>
+                                        <p:tav tm="0">
+                                          <p:val>
+                                            <p:strVal val="0-#ppt_h/2"/>
+                                          </p:val>
+                                        </p:tav>
+                                        <p:tav tm="100000">
+                                          <p:val>
+                                            <p:strVal val="#ppt_y"/>
+                                          </p:val>
+                                        </p:tav>
+                                      </p:tavLst>
+                                    </p:anim>
+                                  </p:childTnLst>
+                                </p:cTn>
+                              </p:par>
+                            </p:childTnLst>
+                          </p:cTn>
+                        </p:par>
+                      </p:childTnLst>
+                    </p:cTn>
+                  </p:par>
+                  <p:par>
+                    <p:cTn id="9" fill="hold">
+                      <p:stCondLst>
+                        <p:cond delay="indefinite"/>
+                      </p:stCondLst>
+                      <p:childTnLst>
+                        <p:par>
+                          <p:cTn id="10" fill="hold">
+                            <p:stCondLst>
+                              <p:cond delay="0"/>
+                            </p:stCondLst>
+                            <p:childTnLst>
+                              <p:par>
+                                <p:cTn id="11" presetID="10" presetClass="entr" presetSubtype="0" fill="hold" grpId="0" nodeType="clickEffect">
+                                  <p:stCondLst>
+                                    <p:cond delay="0"/>
+                                  </p:stCondLst>
+                                  <p:childTnLst>
+                                    <p:set>
+                                      <p:cBhvr>
+                                        <p:cTn id="12" dur="1" fill="hold">
+                                          <p:stCondLst>
+                                            <p:cond delay="0"/>
+                                          </p:stCondLst>
+                                        </p:cTn>
+                                        <p:tgtEl>
+                                          <p:spTgt spid="6"/>
+                                        </p:tgtEl>
+                                        <p:attrNameLst>
+                                          <p:attrName>style.visibility</p:attrName>
+                                        </p:attrNameLst>
+                                      </p:cBhvr>
+                                      <p:to>
+                                        <p:strVal val="visible"/>
+                                      </p:to>
+                                    </p:set>
+                                    <p:animEffect transition="in" filter="fade">
+                                      <p:cBhvr>
+                                        <p:cTn id="13" dur="500"/>
+                                        <p:tgtEl>
+                                          <p:spTgt spid="6"/>
+                                        </p:tgtEl>
+                                      </p:cBhvr>
+                                    </p:animEffect>
+                                  </p:childTnLst>
+                                </p:cTn>
+                              </p:par>
+                              <p:par>
+                                <p:cTn id="14" presetID="10" presetClass="entr" presetSubtype="0" fill="hold" grpId="0" nodeType="withEffect">
+                                  <p:stCondLst>
+                                    <p:cond delay="0"/>
+                                  </p:stCondLst>
+                                  <p:childTnLst>
+                                    <p:set>
+                                      <p:cBhvr>
+                                        <p:cTn id="15" dur="1" fill="hold">
+                                          <p:stCondLst>
+                                            <p:cond delay="0"/>
+                                          </p:stCondLst>
+                                        </p:cTn>
+                                        <p:tgtEl>
+                                          <p:spTgt spid="8"/>
+                                        </p:tgtEl>
+                                        <p:attrNameLst>
+                                          <p:attrName>style.visibility</p:attrName>
+                                        </p:attrNameLst>
+                                      </p:cBhvr>
+                                      <p:to>
+                                        <p:strVal val="visible"/>
+                                      </p:to>
+                                    </p:set>
+                                    <p:animEffect transition="in" filter="fade">
+                                      <p:cBhvr>
+                                        <p:cTn id="16" dur="500"/>
+                                        <p:tgtEl>
+                                          <p:spTgt spid="8"/>
+                                        </p:tgtEl>
+                                      </p:cBhvr>
+                                    </p:animEffect>
+                                  </p:childTnLst>
+                                </p:cTn>
+                              </p:par>
+                              <p:par>
+                                <p:cTn id="17" presetID="10" presetClass="entr" presetSubtype="0" fill="hold" grpId="0" nodeType="withEffect">
+                                  <p:stCondLst>
+                                    <p:cond delay="0"/>
+                                  </p:stCondLst>
+                                  <p:childTnLst>
+                                    <p:set>
+                                      <p:cBhvr>
+                                        <p:cTn id="18" dur="1" fill="hold">
+                                          <p:stCondLst>
+                                            <p:cond delay="0"/>
+                                          </p:stCondLst>
+                                        </p:cTn>
+                                        <p:tgtEl>
+                                          <p:spTgt spid="9"/>
+                                        </p:tgtEl>
+                                        <p:attrNameLst>
+                                          <p:attrName>style.visibility</p:attrName>
+                                        </p:attrNameLst>
+                                      </p:cBhvr>
+                                      <p:to>
+                                        <p:strVal val="visible"/>
+                                      </p:to>
+                                    </p:set>
+                                    <p:animEffect transition="in" filter="fade">
+                                      <p:cBhvr>
+                                        <p:cTn id="19" dur="500"/>
+                                        <p:tgtEl>
+                                          <p:spTgt spid="9"/>
+                                        </p:tgtEl>
+                                      </p:cBhvr>
+                                    </p:animEffect>
+                                  </p:childTnLst>
+                                </p:cTn>
+                              </p:par>
+                              <p:par>
+                                <p:cTn id="20" presetID="10" presetClass="entr" presetSubtype="0" fill="hold" nodeType="withEffect">
+                                  <p:stCondLst>
+                                    <p:cond delay="0"/>
+                                  </p:stCondLst>
+                                  <p:childTnLst>
+                                    <p:set>
+                                      <p:cBhvr>
+                                        <p:cTn id="21" dur="1" fill="hold">
+                                          <p:stCondLst>
+                                            <p:cond delay="0"/>
+                                          </p:stCondLst>
+                                        </p:cTn>
+                                        <p:tgtEl>
+                                          <p:spTgt spid="10"/>
+                                        </p:tgtEl>
+                                        <p:attrNameLst>
+                                          <p:attrName>style.visibility</p:attrName>
+                                        </p:attrNameLst>
+                                      </p:cBhvr>
+                                      <p:to>
+                                        <p:strVal val="visible"/>
+                                      </p:to>
+                                    </p:set>
+                                    <p:animEffect transition="in" filter="fade">
+                                      <p:cBhvr>
+                                        <p:cTn id="22" dur="500"/>
+                                        <p:tgtEl>
+                                          <p:spTgt spid="10"/>
+                                        </p:tgtEl>
+                                      </p:cBhvr>
+                                    </p:animEffect>
+                                  </p:childTnLst>
+                                </p:cTn>
+                              </p:par>
+                              <p:par>
+                                <p:cTn id="23" presetID="10" presetClass="entr" presetSubtype="0" fill="hold" nodeType="withEffect">
+                                  <p:stCondLst>
+                                    <p:cond delay="0"/>
+                                  </p:stCondLst>
+                                  <p:childTnLst>
+                                    <p:set>
+                                      <p:cBhvr>
+                                        <p:cTn id="24" dur="1" fill="hold">
+                                          <p:stCondLst>
+                                            <p:cond delay="0"/>
+                                          </p:stCondLst>
+                                        </p:cTn>
+                                        <p:tgtEl>
+                                          <p:spTgt spid="11"/>
+                                        </p:tgtEl>
+                                        <p:attrNameLst>
+                                          <p:attrName>style.visibility</p:attrName>
+                                        </p:attrNameLst>
+                                      </p:cBhvr>
+                                      <p:to>
+                                        <p:strVal val="visible"/>
+                                      </p:to>
+                                    </p:set>
+                                    <p:animEffect transition="in" filter="fade">
+                                      <p:cBhvr>
+                                        <p:cTn id="25" dur="500"/>
+                                        <p:tgtEl>
+                                          <p:spTgt spid="11"/>
+                                        </p:tgtEl>
+                                      </p:cBhvr>
+                                    </p:animEffect>
+                                  </p:childTnLst>
+                                </p:cTn>
+                              </p:par>
+                              <p:par>
+                                <p:cTn id="26" presetID="10" presetClass="entr" presetSubtype="0" fill="hold" grpId="0" nodeType="withEffect">
+                                  <p:stCondLst>
+                                    <p:cond delay="0"/>
+                                  </p:stCondLst>
+                                  <p:childTnLst>
+                                    <p:set>
+                                      <p:cBhvr>
+                                        <p:cTn id="27" dur="1" fill="hold">
+                                          <p:stCondLst>
+                                            <p:cond delay="0"/>
+                                          </p:stCondLst>
+                                        </p:cTn>
+                                        <p:tgtEl>
+                                          <p:spTgt spid="27"/>
+                                        </p:tgtEl>
+                                        <p:attrNameLst>
+                                          <p:attrName>style.visibility</p:attrName>
+                                        </p:attrNameLst>
+                                      </p:cBhvr>
+                                      <p:to>
+                                        <p:strVal val="visible"/>
+                                      </p:to>
+                                    </p:set>
+                                    <p:animEffect transition="in" filter="fade">
+                                      <p:cBhvr>
+                                        <p:cTn id="28" dur="500"/>
+                                        <p:tgtEl>
+                                          <p:spTgt spid="27"/>
+                                        </p:tgtEl>
+                                      </p:cBhvr>
+                                    </p:animEffect>
+                                  </p:childTnLst>
+                                </p:cTn>
+                              </p:par>
+                              <p:par>
+                                <p:cTn id="29" presetID="10" presetClass="entr" presetSubtype="0" fill="hold" nodeType="withEffect">
+                                  <p:stCondLst>
+                                    <p:cond delay="0"/>
+                                  </p:stCondLst>
+                                  <p:childTnLst>
+                                    <p:set>
+                                      <p:cBhvr>
+                                        <p:cTn id="30" dur="1" fill="hold">
+                                          <p:stCondLst>
+                                            <p:cond delay="0"/>
+                                          </p:stCondLst>
+                                        </p:cTn>
+                                        <p:tgtEl>
+                                          <p:spTgt spid="28"/>
+                                        </p:tgtEl>
+                                        <p:attrNameLst>
+                                          <p:attrName>style.visibility</p:attrName>
+                                        </p:attrNameLst>
+                                      </p:cBhvr>
+                                      <p:to>
+                                        <p:strVal val="visible"/>
+                                      </p:to>
+                                    </p:set>
+                                    <p:animEffect transition="in" filter="fade">
+                                      <p:cBhvr>
+                                        <p:cTn id="31" dur="500"/>
+                                        <p:tgtEl>
+                                          <p:spTgt spid="28"/>
+                                        </p:tgtEl>
+                                      </p:cBhvr>
+                                    </p:animEffect>
+                                  </p:childTnLst>
+                                </p:cTn>
+                              </p:par>
+                              <p:par>
+                                <p:cTn id="32" presetID="10" presetClass="entr" presetSubtype="0" fill="hold" nodeType="withEffect">
+                                  <p:stCondLst>
+                                    <p:cond delay="0"/>
+                                  </p:stCondLst>
+                                  <p:childTnLst>
+                                    <p:set>
+                                      <p:cBhvr>
+                                        <p:cTn id="33" dur="1" fill="hold">
+                                          <p:stCondLst>
+                                            <p:cond delay="0"/>
+                                          </p:stCondLst>
+                                        </p:cTn>
+                                        <p:tgtEl>
+                                          <p:spTgt spid="13"/>
+                                        </p:tgtEl>
+                                        <p:attrNameLst>
+                                          <p:attrName>style.visibility</p:attrName>
+                                        </p:attrNameLst>
+                                      </p:cBhvr>
+                                      <p:to>
+                                        <p:strVal val="visible"/>
+                                      </p:to>
+                                    </p:set>
+                                    <p:animEffect transition="in" filter="fade">
+                                      <p:cBhvr>
+                                        <p:cTn id="34" dur="2000"/>
+                                        <p:tgtEl>
+                                          <p:spTgt spid="13"/>
+                                        </p:tgtEl>
+                                      </p:cBhvr>
+                                    </p:animEffect>
+                                  </p:childTnLst>
+                                </p:cTn>
+                              </p:par>
+                              <p:par>
+                                <p:cTn id="35" presetID="2" presetClass="entr" presetSubtype="1" fill="hold" grpId="0" nodeType="withEffect">
+                                  <p:stCondLst>
+                                    <p:cond delay="0"/>
+                                  </p:stCondLst>
+                                  <p:childTnLst>
+                                    <p:set>
+                                      <p:cBhvr>
+                                        <p:cTn id="36" dur="1" fill="hold">
+                                          <p:stCondLst>
+                                            <p:cond delay="0"/>
+                                          </p:stCondLst>
+                                        </p:cTn>
+                                        <p:tgtEl>
+                                          <p:spTgt spid="40"/>
+                                        </p:tgtEl>
+                                        <p:attrNameLst>
+                                          <p:attrName>style.visibility</p:attrName>
+                                        </p:attrNameLst>
+                                      </p:cBhvr>
+                                      <p:to>
+                                        <p:strVal val="visible"/>
+                                      </p:to>
+                                    </p:set>
+                                    <p:anim calcmode="lin" valueType="num">
+                                      <p:cBhvr additive="base">
+                                        <p:cTn id="37" dur="500" fill="hold"/>
+                                        <p:tgtEl>
+                                          <p:spTgt spid="40"/>
+                                        </p:tgtEl>
+                                        <p:attrNameLst>
+                                          <p:attrName>ppt_x</p:attrName>
+                                        </p:attrNameLst>
+                                      </p:cBhvr>
+                                      <p:tavLst>
+                                        <p:tav tm="0">
+                                          <p:val>
+                                            <p:strVal val="#ppt_x"/>
+                                          </p:val>
+                                        </p:tav>
+                                        <p:tav tm="100000">
+                                          <p:val>
+                                            <p:strVal val="#ppt_x"/>
+                                          </p:val>
+                                        </p:tav>
+                                      </p:tavLst>
+                                    </p:anim>
+                                    <p:anim calcmode="lin" valueType="num">
+                                      <p:cBhvr additive="base">
+                                        <p:cTn id="38" dur="500" fill="hold"/>
+                                        <p:tgtEl>
+                                          <p:spTgt spid="40"/>
+                                        </p:tgtEl>
+                                        <p:attrNameLst>
+                                          <p:attrName>ppt_y</p:attrName>
+                                        </p:attrNameLst>
+                                      </p:cBhvr>
+                                      <p:tavLst>
+                                        <p:tav tm="0">
+                                          <p:val>
+                                            <p:strVal val="0-#ppt_h/2"/>
+                                          </p:val>
+                                        </p:tav>
+                                        <p:tav tm="100000">
+                                          <p:val>
+                                            <p:strVal val="#ppt_y"/>
+                                          </p:val>
+                                        </p:tav>
+                                      </p:tavLst>
+                                    </p:anim>
+                                  </p:childTnLst>
+                                </p:cTn>
+                              </p:par>
+                            </p:childTnLst>
+                          </p:cTn>
+                        </p:par>
+                      </p:childTnLst>
+                    </p:cTn>
+                  </p:par>
+                  <p:par>
+                    <p:cTn id="39" fill="hold">
+                      <p:stCondLst>
+                        <p:cond delay="indefinite"/>
+                      </p:stCondLst>
+                      <p:childTnLst>
+                        <p:par>
+                          <p:cTn id="40" fill="hold">
+                            <p:stCondLst>
+                              <p:cond delay="0"/>
+                            </p:stCondLst>
+                            <p:childTnLst>
+                              <p:par>
+                                <p:cTn id="41" presetID="2" presetClass="entr" presetSubtype="4" fill="hold" grpId="0" nodeType="clickEffect">
+                                  <p:stCondLst>
+                                    <p:cond delay="0"/>
+                                  </p:stCondLst>
+                                  <p:childTnLst>
+                                    <p:set>
+                                      <p:cBhvr>
+                                        <p:cTn id="42" dur="1" fill="hold">
+                                          <p:stCondLst>
+                                            <p:cond delay="0"/>
+                                          </p:stCondLst>
+                                        </p:cTn>
+                                        <p:tgtEl>
+                                          <p:spTgt spid="4"/>
+                                        </p:tgtEl>
+                                        <p:attrNameLst>
+                                          <p:attrName>style.visibility</p:attrName>
+                                        </p:attrNameLst>
+                                      </p:cBhvr>
+                                      <p:to>
+                                        <p:strVal val="visible"/>
+                                      </p:to>
+                                    </p:set>
+                                    <p:anim calcmode="lin" valueType="num">
+                                      <p:cBhvr additive="base">
+                                        <p:cTn id="43" dur="500" fill="hold"/>
+                                        <p:tgtEl>
+                                          <p:spTgt spid="4"/>
+                                        </p:tgtEl>
+                                        <p:attrNameLst>
+                                          <p:attrName>ppt_x</p:attrName>
+                                        </p:attrNameLst>
+                                      </p:cBhvr>
+                                      <p:tavLst>
+                                        <p:tav tm="0">
+                                          <p:val>
+                                            <p:strVal val="#ppt_x"/>
+                                          </p:val>
+                                        </p:tav>
+                                        <p:tav tm="100000">
+                                          <p:val>
+                                            <p:strVal val="#ppt_x"/>
+                                          </p:val>
+                                        </p:tav>
+                                      </p:tavLst>
+                                    </p:anim>
+                                    <p:anim calcmode="lin" valueType="num">
+                                      <p:cBhvr additive="base">
+                                        <p:cTn id="44" dur="500" fill="hold"/>
+                                        <p:tgtEl>
+                                          <p:spTgt spid="4"/>
+                                        </p:tgtEl>
+                                        <p:attrNameLst>
+                                          <p:attrName>ppt_y</p:attrName>
+                                        </p:attrNameLst>
+                                      </p:cBhvr>
+                                      <p:tavLst>
+                                        <p:tav tm="0">
+                                          <p:val>
+                                            <p:strVal val="1+#ppt_h/2"/>
+                                          </p:val>
+                                        </p:tav>
+                                        <p:tav tm="100000">
+                                          <p:val>
+                                            <p:strVal val="#ppt_y"/>
+                                          </p:val>
+                                        </p:tav>
+                                      </p:tavLst>
+                                    </p:anim>
+                                  </p:childTnLst>
+                                </p:cTn>
+                              </p:par>
+                              <p:par>
+                                <p:cTn id="45" presetID="2" presetClass="entr" presetSubtype="4" fill="hold" nodeType="withEffect">
+                                  <p:stCondLst>
+                                    <p:cond delay="0"/>
+                                  </p:stCondLst>
+                                  <p:childTnLst>
+                                    <p:set>
+                                      <p:cBhvr>
+                                        <p:cTn id="46" dur="1" fill="hold">
+                                          <p:stCondLst>
+                                            <p:cond delay="0"/>
+                                          </p:stCondLst>
+                                        </p:cTn>
+                                        <p:tgtEl>
+                                          <p:spTgt spid="5"/>
+                                        </p:tgtEl>
+                                        <p:attrNameLst>
+                                          <p:attrName>style.visibility</p:attrName>
+                                        </p:attrNameLst>
+                                      </p:cBhvr>
+                                      <p:to>
+                                        <p:strVal val="visible"/>
+                                      </p:to>
+                                    </p:set>
+                                    <p:anim calcmode="lin" valueType="num">
+                                      <p:cBhvr additive="base">
+                                        <p:cTn id="47" dur="500" fill="hold"/>
+                                        <p:tgtEl>
+                                          <p:spTgt spid="5"/>
+                                        </p:tgtEl>
+                                        <p:attrNameLst>
+                                          <p:attrName>ppt_x</p:attrName>
+                                        </p:attrNameLst>
+                                      </p:cBhvr>
+                                      <p:tavLst>
+                                        <p:tav tm="0">
+                                          <p:val>
+                                            <p:strVal val="#ppt_x"/>
+                                          </p:val>
+                                        </p:tav>
+                                        <p:tav tm="100000">
+                                          <p:val>
+                                            <p:strVal val="#ppt_x"/>
+                                          </p:val>
+                                        </p:tav>
+                                      </p:tavLst>
+                                    </p:anim>
+                                    <p:anim calcmode="lin" valueType="num">
+                                      <p:cBhvr additive="base">
+                                        <p:cTn id="48" dur="500" fill="hold"/>
+                                        <p:tgtEl>
+                                          <p:spTgt spid="5"/>
+                                        </p:tgtEl>
+                                        <p:attrNameLst>
+                                          <p:attrName>ppt_y</p:attrName>
+                                        </p:attrNameLst>
+                                      </p:cBhvr>
+                                      <p:tavLst>
+                                        <p:tav tm="0">
+                                          <p:val>
+                                            <p:strVal val="1+#ppt_h/2"/>
+                                          </p:val>
+                                        </p:tav>
+                                        <p:tav tm="100000">
+                                          <p:val>
+                                            <p:strVal val="#ppt_y"/>
+                                          </p:val>
+                                        </p:tav>
+                                      </p:tavLst>
+                                    </p:anim>
+                                  </p:childTnLst>
+                                </p:cTn>
+                              </p:par>
+                            </p:childTnLst>
+                          </p:cTn>
+                        </p:par>
+                      </p:childTnLst>
+                    </p:cTn>
+                  </p:par>
+                  <p:par>
+                    <p:cTn id="49" fill="hold">
+                      <p:stCondLst>
+                        <p:cond delay="indefinite"/>
+                      </p:stCondLst>
+                      <p:childTnLst>
+                        <p:par>
+                          <p:cTn id="50" fill="hold">
+                            <p:stCondLst>
+                              <p:cond delay="0"/>
+                            </p:stCondLst>
+                            <p:childTnLst>
+                              <p:par>
+                                <p:cTn id="51" presetID="42" presetClass="path" presetSubtype="0" accel="50000" decel="50000" fill="hold" grpId="1" nodeType="clickEffect">
+                                  <p:stCondLst>
+                                    <p:cond delay="0"/>
+                                  </p:stCondLst>
+                                  <p:childTnLst>
+                                    <p:animMotion origin="layout" path="M 0.000000 0.000000 L 0.001042 0.571574 " pathEditMode="relative" rAng="0" ptsTypes="">
+                                      <p:cBhvr>
+                                        <p:cTn id="52" dur="2000" fill="hold"/>
+                                        <p:tgtEl>
+                                          <p:spTgt spid="40"/>
+                                        </p:tgtEl>
+                                        <p:attrNameLst>
+                                          <p:attrName>ppt_x</p:attrName>
+                                          <p:attrName>ppt_y</p:attrName>
+                                        </p:attrNameLst>
+                                      </p:cBhvr>
+                                      <p:rCtr x="0" y="280"/>
+                                    </p:animMotion>
+                                  </p:childTnLst>
+                                </p:cTn>
+                              </p:par>
+                              <p:par>
+                                <p:cTn id="53" presetID="10" presetClass="entr" presetSubtype="0" fill="hold" nodeType="withEffect">
+                                  <p:stCondLst>
+                                    <p:cond delay="0"/>
+                                  </p:stCondLst>
+                                  <p:childTnLst>
+                                    <p:set>
+                                      <p:cBhvr>
+                                        <p:cTn id="54" dur="1" fill="hold">
+                                          <p:stCondLst>
+                                            <p:cond delay="0"/>
+                                          </p:stCondLst>
+                                        </p:cTn>
+                                        <p:tgtEl>
+                                          <p:spTgt spid="14"/>
+                                        </p:tgtEl>
+                                        <p:attrNameLst>
+                                          <p:attrName>style.visibility</p:attrName>
+                                        </p:attrNameLst>
+                                      </p:cBhvr>
+                                      <p:to>
+                                        <p:strVal val="visible"/>
+                                      </p:to>
+                                    </p:set>
+                                    <p:animEffect transition="in" filter="fade">
+                                      <p:cBhvr>
+                                        <p:cTn id="55" dur="2000"/>
+                                        <p:tgtEl>
+                                          <p:spTgt spid="14"/>
+                                        </p:tgtEl>
+                                      </p:cBhvr>
+                                    </p:animEffect>
+                                  </p:childTnLst>
+                                </p:cTn>
+                              </p:par>
+                              <p:par>
+                                <p:cTn id="56" presetID="10" presetClass="exit" presetSubtype="0" fill="hold" nodeType="withEffect">
+                                  <p:stCondLst>
+                                    <p:cond delay="0"/>
+                                  </p:stCondLst>
+                                  <p:childTnLst>
+                                    <p:animEffect transition="out" filter="fade">
+                                      <p:cBhvr>
+                                        <p:cTn id="57" dur="500"/>
+                                        <p:tgtEl>
+                                          <p:spTgt spid="13"/>
+                                        </p:tgtEl>
+                                      </p:cBhvr>
+                                    </p:animEffect>
+                                    <p:set>
+                                      <p:cBhvr>
+                                        <p:cTn id="58" dur="1" fill="hold">
+                                          <p:stCondLst>
+                                            <p:cond delay="499"/>
+                                          </p:stCondLst>
+                                        </p:cTn>
+                                        <p:tgtEl>
+                                          <p:spTgt spid="13"/>
+                                        </p:tgtEl>
+                                        <p:attrNameLst>
+                                          <p:attrName>style.visibility</p:attrName>
+                                        </p:attrNameLst>
+                                      </p:cBhvr>
+                                      <p:to>
+                                        <p:strVal val="hidden"/>
+                                      </p:to>
+                                    </p:set>
+                                  </p:childTnLst>
+                                </p:cTn>
+                              </p:par>
+                            </p:childTnLst>
+                          </p:cTn>
+                        </p:par>
+                      </p:childTnLst>
+                    </p:cTn>
+                  </p:par>
+                  <p:par>
+                    <p:cTn id="59" fill="hold">
+                      <p:stCondLst>
+                        <p:cond delay="indefinite"/>
+                      </p:stCondLst>
+                      <p:childTnLst>
+                        <p:par>
+                          <p:cTn id="60" fill="hold">
+                            <p:stCondLst>
+                              <p:cond delay="0"/>
+                            </p:stCondLst>
+                            <p:childTnLst>
+                              <p:par>
+                                <p:cTn id="61" presetID="10" presetClass="entr" presetSubtype="0" fill="hold" grpId="0" nodeType="clickEffect">
+                                  <p:stCondLst>
+                                    <p:cond delay="0"/>
+                                  </p:stCondLst>
+                                  <p:childTnLst>
+                                    <p:set>
+                                      <p:cBhvr>
+                                        <p:cTn id="62" dur="1" fill="hold">
+                                          <p:stCondLst>
+                                            <p:cond delay="0"/>
+                                          </p:stCondLst>
+                                        </p:cTn>
+                                        <p:tgtEl>
+                                          <p:spTgt spid="7"/>
+                                        </p:tgtEl>
+                                        <p:attrNameLst>
+                                          <p:attrName>style.visibility</p:attrName>
+                                        </p:attrNameLst>
+                                      </p:cBhvr>
+                                      <p:to>
+                                        <p:strVal val="visible"/>
+                                      </p:to>
+                                    </p:set>
+                                    <p:animEffect transition="in" filter="fade">
+                                      <p:cBhvr>
+                                        <p:cTn id="63" dur="500"/>
+                                        <p:tgtEl>
+                                          <p:spTgt spid="7"/>
+                                        </p:tgtEl>
+                                      </p:cBhvr>
+                                    </p:animEffect>
+                                  </p:childTnLst>
+                                </p:cTn>
+                              </p:par>
+                              <p:par>
+                                <p:cTn id="64" presetID="10" presetClass="entr" presetSubtype="0" fill="hold" nodeType="withEffect">
+                                  <p:stCondLst>
+                                    <p:cond delay="0"/>
+                                  </p:stCondLst>
+                                  <p:childTnLst>
+                                    <p:set>
+                                      <p:cBhvr>
+                                        <p:cTn id="65" dur="1" fill="hold">
+                                          <p:stCondLst>
+                                            <p:cond delay="0"/>
+                                          </p:stCondLst>
+                                        </p:cTn>
+                                        <p:tgtEl>
+                                          <p:spTgt spid="12"/>
+                                        </p:tgtEl>
+                                        <p:attrNameLst>
+                                          <p:attrName>style.visibility</p:attrName>
+                                        </p:attrNameLst>
+                                      </p:cBhvr>
+                                      <p:to>
+                                        <p:strVal val="visible"/>
+                                      </p:to>
+                                    </p:set>
+                                    <p:animEffect transition="in" filter="fade">
+                                      <p:cBhvr>
+                                        <p:cTn id="66" dur="500"/>
+                                        <p:tgtEl>
+                                          <p:spTgt spid="12"/>
+                                        </p:tgtEl>
+                                      </p:cBhvr>
+                                    </p:animEffect>
+                                  </p:childTnLst>
+                                </p:cTn>
+                              </p:par>
+                            </p:childTnLst>
+                          </p:cTn>
+                        </p:par>
+                      </p:childTnLst>
+                    </p:cTn>
+                  </p:par>
+                  <p:par>
+                    <p:cTn id="67" fill="hold">
+                      <p:stCondLst>
+                        <p:cond delay="indefinite"/>
+                      </p:stCondLst>
+                      <p:childTnLst>
+                        <p:par>
+                          <p:cTn id="68" fill="hold">
+                            <p:stCondLst>
+                              <p:cond delay="0"/>
+                            </p:stCondLst>
+                            <p:childTnLst>
+                              <p:par>
+                                <p:cTn id="69" presetID="63" presetClass="path" presetSubtype="0" accel="50000" decel="50000" fill="hold" grpId="1" nodeType="clickEffect">
+                                  <p:stCondLst>
+                                    <p:cond delay="0"/>
+                                  </p:stCondLst>
+                                  <p:childTnLst>
+                                    <p:animMotion origin="layout" path="M 0.000000 0.000000 L 0.179740 0.000741 " pathEditMode="relative" rAng="0" ptsTypes="">
+                                      <p:cBhvr>
+                                        <p:cTn id="70" dur="2000" fill="hold"/>
+                                        <p:tgtEl>
+                                          <p:spTgt spid="4"/>
+                                        </p:tgtEl>
+                                        <p:attrNameLst>
+                                          <p:attrName>ppt_x</p:attrName>
+                                          <p:attrName>ppt_y</p:attrName>
+                                        </p:attrNameLst>
+                                      </p:cBhvr>
+                                      <p:rCtr x="90" y="0"/>
+                                    </p:animMotion>
+                                  </p:childTnLst>
+                                </p:cTn>
+                              </p:par>
+                              <p:par>
+                                <p:cTn id="71" presetID="63" presetClass="path" presetSubtype="0" accel="50000" decel="50000" fill="hold" nodeType="withEffect">
+                                  <p:stCondLst>
+                                    <p:cond delay="0"/>
+                                  </p:stCondLst>
+                                  <p:childTnLst>
+                                    <p:animMotion origin="layout" path="M 0.000000 0.000000 L 0.179792 -0.000278 " pathEditMode="relative" rAng="0" ptsTypes="">
+                                      <p:cBhvr>
+                                        <p:cTn id="72" dur="2000" fill="hold"/>
+                                        <p:tgtEl>
+                                          <p:spTgt spid="5"/>
+                                        </p:tgtEl>
+                                        <p:attrNameLst>
+                                          <p:attrName>ppt_x</p:attrName>
+                                          <p:attrName>ppt_y</p:attrName>
+                                        </p:attrNameLst>
+                                      </p:cBhvr>
+                                      <p:rCtr x="125" y="0"/>
+                                    </p:animMotion>
+                                  </p:childTnLst>
+                                </p:cTn>
+                              </p:par>
+                              <p:par>
+                                <p:cTn id="73" presetID="63" presetClass="path" presetSubtype="0" accel="50000" decel="50000" fill="hold" nodeType="withEffect">
+                                  <p:stCondLst>
+                                    <p:cond delay="0"/>
+                                  </p:stCondLst>
+                                  <p:childTnLst>
+                                    <p:animMotion origin="layout" path="M 0.000000 0.000000 L 0.179427 0.000185 " pathEditMode="relative" rAng="0" ptsTypes="">
+                                      <p:cBhvr>
+                                        <p:cTn id="74" dur="2000" fill="hold"/>
+                                        <p:tgtEl>
+                                          <p:spTgt spid="14"/>
+                                        </p:tgtEl>
+                                        <p:attrNameLst>
+                                          <p:attrName>ppt_x</p:attrName>
+                                          <p:attrName>ppt_y</p:attrName>
+                                        </p:attrNameLst>
+                                      </p:cBhvr>
+                                      <p:rCtr x="125" y="0"/>
+                                    </p:animMotion>
+                                  </p:childTnLst>
+                                </p:cTn>
+                              </p:par>
+                              <p:par>
+                                <p:cTn id="75" presetID="63" presetClass="path" presetSubtype="0" accel="50000" decel="50000" fill="hold" grpId="2" nodeType="withEffect">
+                                  <p:stCondLst>
+                                    <p:cond delay="0"/>
+                                  </p:stCondLst>
+                                  <p:childTnLst>
+                                    <p:animMotion origin="layout" path="M 0.001045 0.566945 L 0.181878 0.566760 " pathEditMode="relative" rAng="0" ptsTypes="">
+                                      <p:cBhvr>
+                                        <p:cTn id="76" dur="2000" fill="hold"/>
+                                        <p:tgtEl>
+                                          <p:spTgt spid="40"/>
+                                        </p:tgtEl>
+                                        <p:attrNameLst>
+                                          <p:attrName>ppt_x</p:attrName>
+                                          <p:attrName>ppt_y</p:attrName>
+                                        </p:attrNameLst>
+                                      </p:cBhvr>
+                                      <p:rCtr x="90" y="0"/>
+                                    </p:animMotion>
+                                  </p:childTnLst>
+                                </p:cTn>
+                              </p:par>
+                            </p:childTnLst>
+                          </p:cTn>
+                        </p:par>
+                      </p:childTnLst>
+                    </p:cTn>
+                  </p:par>
+                  <p:par>
+                    <p:cTn id="77" fill="hold">
+                      <p:stCondLst>
+                        <p:cond delay="indefinite"/>
+                      </p:stCondLst>
+                      <p:childTnLst>
+                        <p:par>
+                          <p:cTn id="78" fill="hold">
+                            <p:stCondLst>
+                              <p:cond delay="0"/>
+                            </p:stCondLst>
+                            <p:childTnLst>
+                              <p:par>
+                                <p:cTn id="79" presetID="0" presetClass="path" presetSubtype="0" accel="50000" decel="50000" fill="hold" grpId="1" nodeType="clickEffect">
+                                  <p:stCondLst>
+                                    <p:cond delay="0"/>
+                                  </p:stCondLst>
+                                  <p:childTnLst>
+                                    <p:animMotion origin="layout" path="M 0.000000 0.000000 L 0.000000 0.301296 " pathEditMode="relative" ptsTypes="">
+                                      <p:cBhvr>
+                                        <p:cTn id="80" dur="2000" fill="hold"/>
+                                        <p:tgtEl>
+                                          <p:spTgt spid="27"/>
+                                        </p:tgtEl>
+                                        <p:attrNameLst>
+                                          <p:attrName>ppt_x</p:attrName>
+                                          <p:attrName>ppt_y</p:attrName>
+                                        </p:attrNameLst>
+                                      </p:cBhvr>
+                                    </p:animMotion>
+                                  </p:childTnLst>
+                                </p:cTn>
+                              </p:par>
+                              <p:par>
+                                <p:cTn id="81" presetID="10" presetClass="entr" presetSubtype="0" fill="hold" nodeType="withEffect">
+                                  <p:stCondLst>
+                                    <p:cond delay="0"/>
+                                  </p:stCondLst>
+                                  <p:childTnLst>
+                                    <p:set>
+                                      <p:cBhvr>
+                                        <p:cTn id="82" dur="1" fill="hold">
+                                          <p:stCondLst>
+                                            <p:cond delay="0"/>
+                                          </p:stCondLst>
+                                        </p:cTn>
+                                        <p:tgtEl>
+                                          <p:spTgt spid="24"/>
+                                        </p:tgtEl>
+                                        <p:attrNameLst>
+                                          <p:attrName>style.visibility</p:attrName>
+                                        </p:attrNameLst>
+                                      </p:cBhvr>
+                                      <p:to>
+                                        <p:strVal val="visible"/>
+                                      </p:to>
+                                    </p:set>
+                                    <p:animEffect transition="in" filter="fade">
+                                      <p:cBhvr>
+                                        <p:cTn id="83" dur="2000"/>
+                                        <p:tgtEl>
+                                          <p:spTgt spid="24"/>
+                                        </p:tgtEl>
+                                      </p:cBhvr>
+                                    </p:animEffect>
+                                  </p:childTnLst>
+                                </p:cTn>
+                              </p:par>
+                              <p:par>
+                                <p:cTn id="84" presetID="10" presetClass="exit" presetSubtype="0" fill="hold" nodeType="withEffect">
+                                  <p:stCondLst>
+                                    <p:cond delay="0"/>
+                                  </p:stCondLst>
+                                  <p:childTnLst>
+                                    <p:animEffect transition="out" filter="fade">
+                                      <p:cBhvr>
+                                        <p:cTn id="85" dur="500"/>
+                                        <p:tgtEl>
+                                          <p:spTgt spid="28"/>
+                                        </p:tgtEl>
+                                      </p:cBhvr>
+                                    </p:animEffect>
+                                    <p:set>
+                                      <p:cBhvr>
+                                        <p:cTn id="86" dur="1" fill="hold">
+                                          <p:stCondLst>
+                                            <p:cond delay="499"/>
+                                          </p:stCondLst>
+                                        </p:cTn>
+                                        <p:tgtEl>
+                                          <p:spTgt spid="28"/>
+                                        </p:tgtEl>
+                                        <p:attrNameLst>
+                                          <p:attrName>style.visibility</p:attrName>
+                                        </p:attrNameLst>
+                                      </p:cBhvr>
+                                      <p:to>
+                                        <p:strVal val="hidden"/>
+                                      </p:to>
+                                    </p:set>
+                                  </p:childTnLst>
+                                </p:cTn>
+                              </p:par>
+                            </p:childTnLst>
+                          </p:cTn>
+                        </p:par>
+                      </p:childTnLst>
+                    </p:cTn>
+                  </p:par>
+                  <p:par>
+                    <p:cTn id="87" fill="hold">
+                      <p:stCondLst>
+                        <p:cond delay="indefinite"/>
+                      </p:stCondLst>
+                      <p:childTnLst>
+                        <p:par>
+                          <p:cTn id="88" fill="hold">
+                            <p:stCondLst>
+                              <p:cond delay="0"/>
+                            </p:stCondLst>
+                            <p:childTnLst>
+                              <p:par>
+                                <p:cTn id="89" presetID="2" presetClass="entr" presetSubtype="1" fill="hold" grpId="0" nodeType="clickEffect">
+                                  <p:stCondLst>
+                                    <p:cond delay="0"/>
+                                  </p:stCondLst>
+                                  <p:childTnLst>
+                                    <p:set>
+                                      <p:cBhvr>
+                                        <p:cTn id="90" dur="1" fill="hold">
+                                          <p:stCondLst>
+                                            <p:cond delay="0"/>
+                                          </p:stCondLst>
+                                        </p:cTn>
+                                        <p:tgtEl>
+                                          <p:spTgt spid="26"/>
+                                        </p:tgtEl>
+                                        <p:attrNameLst>
+                                          <p:attrName>style.visibility</p:attrName>
+                                        </p:attrNameLst>
+                                      </p:cBhvr>
+                                      <p:to>
+                                        <p:strVal val="visible"/>
+                                      </p:to>
+                                    </p:set>
+                                    <p:anim calcmode="lin" valueType="num">
+                                      <p:cBhvr additive="base">
+                                        <p:cTn id="91" dur="500" fill="hold"/>
+                                        <p:tgtEl>
+                                          <p:spTgt spid="26"/>
+                                        </p:tgtEl>
+                                        <p:attrNameLst>
+                                          <p:attrName>ppt_x</p:attrName>
+                                        </p:attrNameLst>
+                                      </p:cBhvr>
+                                      <p:tavLst>
+                                        <p:tav tm="0">
+                                          <p:val>
+                                            <p:strVal val="#ppt_x"/>
+                                          </p:val>
+                                        </p:tav>
+                                        <p:tav tm="100000">
+                                          <p:val>
+                                            <p:strVal val="#ppt_x"/>
+                                          </p:val>
+                                        </p:tav>
+                                      </p:tavLst>
+                                    </p:anim>
+                                    <p:anim calcmode="lin" valueType="num">
+                                      <p:cBhvr additive="base">
+                                        <p:cTn id="92" dur="500" fill="hold"/>
+                                        <p:tgtEl>
+                                          <p:spTgt spid="26"/>
+                                        </p:tgtEl>
+                                        <p:attrNameLst>
+                                          <p:attrName>ppt_y</p:attrName>
+                                        </p:attrNameLst>
+                                      </p:cBhvr>
+                                      <p:tavLst>
+                                        <p:tav tm="0">
+                                          <p:val>
+                                            <p:strVal val="0-#ppt_h/2"/>
+                                          </p:val>
+                                        </p:tav>
+                                        <p:tav tm="100000">
+                                          <p:val>
+                                            <p:strVal val="#ppt_y"/>
+                                          </p:val>
+                                        </p:tav>
+                                      </p:tavLst>
+                                    </p:anim>
+                                  </p:childTnLst>
+                                </p:cTn>
+                              </p:par>
+                              <p:par>
+                                <p:cTn id="93" presetID="2" presetClass="entr" presetSubtype="1" fill="hold" nodeType="withEffect">
+                                  <p:stCondLst>
+                                    <p:cond delay="0"/>
+                                  </p:stCondLst>
+                                  <p:childTnLst>
+                                    <p:set>
+                                      <p:cBhvr>
+                                        <p:cTn id="94" dur="1" fill="hold">
+                                          <p:stCondLst>
+                                            <p:cond delay="0"/>
+                                          </p:stCondLst>
+                                        </p:cTn>
+                                        <p:tgtEl>
+                                          <p:spTgt spid="29"/>
+                                        </p:tgtEl>
+                                        <p:attrNameLst>
+                                          <p:attrName>style.visibility</p:attrName>
+                                        </p:attrNameLst>
+                                      </p:cBhvr>
+                                      <p:to>
+                                        <p:strVal val="visible"/>
+                                      </p:to>
+                                    </p:set>
+                                    <p:anim calcmode="lin" valueType="num">
+                                      <p:cBhvr additive="base">
+                                        <p:cTn id="95" dur="500" fill="hold"/>
+                                        <p:tgtEl>
+                                          <p:spTgt spid="29"/>
+                                        </p:tgtEl>
+                                        <p:attrNameLst>
+                                          <p:attrName>ppt_x</p:attrName>
+                                        </p:attrNameLst>
+                                      </p:cBhvr>
+                                      <p:tavLst>
+                                        <p:tav tm="0">
+                                          <p:val>
+                                            <p:strVal val="#ppt_x"/>
+                                          </p:val>
+                                        </p:tav>
+                                        <p:tav tm="100000">
+                                          <p:val>
+                                            <p:strVal val="#ppt_x"/>
+                                          </p:val>
+                                        </p:tav>
+                                      </p:tavLst>
+                                    </p:anim>
+                                    <p:anim calcmode="lin" valueType="num">
+                                      <p:cBhvr additive="base">
+                                        <p:cTn id="96" dur="500" fill="hold"/>
+                                        <p:tgtEl>
+                                          <p:spTgt spid="29"/>
+                                        </p:tgtEl>
+                                        <p:attrNameLst>
+                                          <p:attrName>ppt_y</p:attrName>
+                                        </p:attrNameLst>
+                                      </p:cBhvr>
+                                      <p:tavLst>
+                                        <p:tav tm="0">
+                                          <p:val>
+                                            <p:strVal val="0-#ppt_h/2"/>
+                                          </p:val>
+                                        </p:tav>
+                                        <p:tav tm="100000">
+                                          <p:val>
+                                            <p:strVal val="#ppt_y"/>
+                                          </p:val>
+                                        </p:tav>
+                                      </p:tavLst>
+                                    </p:anim>
+                                  </p:childTnLst>
+                                </p:cTn>
+                              </p:par>
+                            </p:childTnLst>
+                          </p:cTn>
+                        </p:par>
+                      </p:childTnLst>
+                    </p:cTn>
+                  </p:par>
+                  <p:par>
+                    <p:cTn id="97" fill="hold">
+                      <p:stCondLst>
+                        <p:cond delay="indefinite"/>
+                      </p:stCondLst>
+                      <p:childTnLst>
+                        <p:par>
+                          <p:cTn id="98" fill="hold">
+                            <p:stCondLst>
+                              <p:cond delay="0"/>
+                            </p:stCondLst>
+                            <p:childTnLst>
+                              <p:par>
+                                <p:cTn id="99" presetID="0" presetClass="path" presetSubtype="0" accel="50000" decel="50000" fill="hold" grpId="3" nodeType="clickEffect">
+                                  <p:stCondLst>
+                                    <p:cond delay="0"/>
+                                  </p:stCondLst>
+                                  <p:childTnLst>
+                                    <p:animMotion origin="layout" path="M 0.180677 0.566944 L 0.000000 0.000000 " pathEditMode="relative" ptsTypes="">
+                                      <p:cBhvr>
+                                        <p:cTn id="100" dur="2000" fill="hold"/>
+                                        <p:tgtEl>
+                                          <p:spTgt spid="40"/>
+                                        </p:tgtEl>
+                                        <p:attrNameLst>
+                                          <p:attrName>ppt_x</p:attrName>
+                                          <p:attrName>ppt_y</p:attrName>
+                                        </p:attrNameLst>
+                                      </p:cBhvr>
+                                    </p:animMotion>
+                                  </p:childTnLst>
+                                </p:cTn>
+                              </p:par>
+                              <p:par>
+                                <p:cTn id="101" presetID="10" presetClass="entr" presetSubtype="0" fill="hold" nodeType="withEffect">
+                                  <p:stCondLst>
+                                    <p:cond delay="0"/>
+                                  </p:stCondLst>
+                                  <p:childTnLst>
+                                    <p:set>
+                                      <p:cBhvr>
+                                        <p:cTn id="102" dur="1" fill="hold">
+                                          <p:stCondLst>
+                                            <p:cond delay="0"/>
+                                          </p:stCondLst>
+                                        </p:cTn>
+                                        <p:tgtEl>
+                                          <p:spTgt spid="13"/>
+                                        </p:tgtEl>
+                                        <p:attrNameLst>
+                                          <p:attrName>style.visibility</p:attrName>
+                                        </p:attrNameLst>
+                                      </p:cBhvr>
+                                      <p:to>
+                                        <p:strVal val="visible"/>
+                                      </p:to>
+                                    </p:set>
+                                    <p:animEffect transition="in" filter="fade">
+                                      <p:cBhvr>
+                                        <p:cTn id="103" dur="2000"/>
+                                        <p:tgtEl>
+                                          <p:spTgt spid="13"/>
+                                        </p:tgtEl>
+                                      </p:cBhvr>
+                                    </p:animEffect>
+                                  </p:childTnLst>
+                                </p:cTn>
+                              </p:par>
+                              <p:par>
+                                <p:cTn id="104" presetID="10" presetClass="exit" presetSubtype="0" fill="hold" nodeType="withEffect">
+                                  <p:stCondLst>
+                                    <p:cond delay="0"/>
+                                  </p:stCondLst>
+                                  <p:childTnLst>
+                                    <p:animEffect transition="out" filter="fade">
+                                      <p:cBhvr>
+                                        <p:cTn id="105" dur="500"/>
+                                        <p:tgtEl>
+                                          <p:spTgt spid="14"/>
+                                        </p:tgtEl>
+                                      </p:cBhvr>
+                                    </p:animEffect>
+                                    <p:set>
+                                      <p:cBhvr>
+                                        <p:cTn id="106" dur="1" fill="hold">
+                                          <p:stCondLst>
+                                            <p:cond delay="499"/>
+                                          </p:stCondLst>
+                                        </p:cTn>
+                                        <p:tgtEl>
+                                          <p:spTgt spid="14"/>
+                                        </p:tgtEl>
+                                        <p:attrNameLst>
+                                          <p:attrName>style.visibility</p:attrName>
+                                        </p:attrNameLst>
+                                      </p:cBhvr>
+                                      <p:to>
+                                        <p:strVal val="hidden"/>
+                                      </p:to>
+                                    </p:set>
+                                  </p:childTnLst>
+                                </p:cTn>
+                              </p:par>
+                            </p:childTnLst>
+                          </p:cTn>
+                        </p:par>
+                      </p:childTnLst>
+                    </p:cTn>
+                  </p:par>
+                  <p:par>
+                    <p:cTn id="107" fill="hold">
+                      <p:stCondLst>
+                        <p:cond delay="indefinite"/>
+                      </p:stCondLst>
+                      <p:childTnLst>
+                        <p:par>
+                          <p:cTn id="108" fill="hold">
+                            <p:stCondLst>
+                              <p:cond delay="0"/>
+                            </p:stCondLst>
+                            <p:childTnLst>
+                              <p:par>
+                                <p:cTn id="109" presetID="10" presetClass="entr" presetSubtype="0" fill="hold" grpId="0" nodeType="clickEffect">
+                                  <p:stCondLst>
+                                    <p:cond delay="0"/>
+                                  </p:stCondLst>
+                                  <p:childTnLst>
+                                    <p:set>
+                                      <p:cBhvr>
+                                        <p:cTn id="110" dur="1" fill="hold">
+                                          <p:stCondLst>
+                                            <p:cond delay="0"/>
+                                          </p:stCondLst>
+                                        </p:cTn>
+                                        <p:tgtEl>
+                                          <p:spTgt spid="17"/>
+                                        </p:tgtEl>
+                                        <p:attrNameLst>
+                                          <p:attrName>style.visibility</p:attrName>
+                                        </p:attrNameLst>
+                                      </p:cBhvr>
+                                      <p:to>
+                                        <p:strVal val="visible"/>
+                                      </p:to>
+                                    </p:set>
+                                    <p:animEffect transition="in" filter="fade">
+                                      <p:cBhvr>
+                                        <p:cTn id="111" dur="500"/>
+                                        <p:tgtEl>
+                                          <p:spTgt spid="17"/>
+                                        </p:tgtEl>
+                                      </p:cBhvr>
+                                    </p:animEffect>
+                                  </p:childTnLst>
+                                </p:cTn>
+                              </p:par>
+                              <p:par>
+                                <p:cTn id="112" presetID="10" presetClass="entr" presetSubtype="0" fill="hold" nodeType="withEffect">
+                                  <p:stCondLst>
+                                    <p:cond delay="0"/>
+                                  </p:stCondLst>
+                                  <p:childTnLst>
+                                    <p:set>
+                                      <p:cBhvr>
+                                        <p:cTn id="113" dur="1" fill="hold">
+                                          <p:stCondLst>
+                                            <p:cond delay="0"/>
+                                          </p:stCondLst>
+                                        </p:cTn>
+                                        <p:tgtEl>
+                                          <p:spTgt spid="18"/>
+                                        </p:tgtEl>
+                                        <p:attrNameLst>
+                                          <p:attrName>style.visibility</p:attrName>
+                                        </p:attrNameLst>
+                                      </p:cBhvr>
+                                      <p:to>
+                                        <p:strVal val="visible"/>
+                                      </p:to>
+                                    </p:set>
+                                    <p:animEffect transition="in" filter="fade">
+                                      <p:cBhvr>
+                                        <p:cTn id="114" dur="500"/>
+                                        <p:tgtEl>
+                                          <p:spTgt spid="18"/>
+                                        </p:tgtEl>
+                                      </p:cBhvr>
+                                    </p:animEffect>
+                                  </p:childTnLst>
+                                </p:cTn>
+                              </p:par>
+                            </p:childTnLst>
+                          </p:cTn>
+                        </p:par>
+                      </p:childTnLst>
+                    </p:cTn>
+                  </p:par>
+                  <p:par>
+                    <p:cTn id="115" fill="hold">
+                      <p:stCondLst>
+                        <p:cond delay="indefinite"/>
+                      </p:stCondLst>
+                      <p:childTnLst>
+                        <p:par>
+                          <p:cTn id="116" fill="hold">
+                            <p:stCondLst>
+                              <p:cond delay="0"/>
+                            </p:stCondLst>
+                            <p:childTnLst>
+                              <p:par>
+                                <p:cTn id="117" presetID="0" presetClass="path" presetSubtype="0" accel="50000" decel="50000" fill="hold" grpId="4" nodeType="clickEffect">
+                                  <p:stCondLst>
+                                    <p:cond delay="0"/>
+                                  </p:stCondLst>
+                                  <p:childTnLst>
+                                    <p:animMotion origin="layout" path="M 0.000000 0.000000 L 0.179531 -0.152685 " pathEditMode="relative" ptsTypes="">
+                                      <p:cBhvr>
+                                        <p:cTn id="118" dur="2000" fill="hold"/>
+                                        <p:tgtEl>
+                                          <p:spTgt spid="40"/>
+                                        </p:tgtEl>
+                                        <p:attrNameLst>
+                                          <p:attrName>ppt_x</p:attrName>
+                                          <p:attrName>ppt_y</p:attrName>
+                                        </p:attrNameLst>
+                                      </p:cBhvr>
+                                    </p:animMotion>
+                                  </p:childTnLst>
+                                </p:cTn>
+                              </p:par>
+                              <p:par>
+                                <p:cTn id="119" presetID="0" presetClass="path" presetSubtype="0" accel="50000" decel="50000" fill="hold" nodeType="withEffect">
+                                  <p:stCondLst>
+                                    <p:cond delay="0"/>
+                                  </p:stCondLst>
+                                  <p:childTnLst>
+                                    <p:animMotion origin="layout" path="M 0.000000 0.000000 L 0.179531 -0.152685 " pathEditMode="relative" ptsTypes="">
+                                      <p:cBhvr>
+                                        <p:cTn id="120" dur="2000" fill="hold"/>
+                                        <p:tgtEl>
+                                          <p:spTgt spid="13"/>
+                                        </p:tgtEl>
+                                        <p:attrNameLst>
+                                          <p:attrName>ppt_x</p:attrName>
+                                          <p:attrName>ppt_y</p:attrName>
+                                        </p:attrNameLst>
+                                      </p:cBhvr>
+                                    </p:animMotion>
+                                  </p:childTnLst>
+                                </p:cTn>
+                              </p:par>
+                              <p:par>
+                                <p:cTn id="121" presetID="0" presetClass="path" presetSubtype="0" accel="50000" decel="50000" fill="hold" grpId="1" nodeType="withEffect">
+                                  <p:stCondLst>
+                                    <p:cond delay="0"/>
+                                  </p:stCondLst>
+                                  <p:childTnLst>
+                                    <p:animMotion origin="layout" path="M 0.000000 0.000000 L 0.179531 -0.152685 " pathEditMode="relative" ptsTypes="">
+                                      <p:cBhvr>
+                                        <p:cTn id="122" dur="2000" fill="hold"/>
+                                        <p:tgtEl>
+                                          <p:spTgt spid="26"/>
+                                        </p:tgtEl>
+                                        <p:attrNameLst>
+                                          <p:attrName>ppt_x</p:attrName>
+                                          <p:attrName>ppt_y</p:attrName>
+                                        </p:attrNameLst>
+                                      </p:cBhvr>
+                                    </p:animMotion>
+                                  </p:childTnLst>
+                                </p:cTn>
+                              </p:par>
+                              <p:par>
+                                <p:cTn id="123" presetID="0" presetClass="path" presetSubtype="0" accel="50000" decel="50000" fill="hold" nodeType="withEffect">
+                                  <p:stCondLst>
+                                    <p:cond delay="0"/>
+                                  </p:stCondLst>
+                                  <p:childTnLst>
+                                    <p:animMotion origin="layout" path="M 0.000000 0.000000 L 0.179531 -0.152685 " pathEditMode="relative" ptsTypes="">
+                                      <p:cBhvr>
+                                        <p:cTn id="124" dur="2000" fill="hold"/>
+                                        <p:tgtEl>
+                                          <p:spTgt spid="29"/>
+                                        </p:tgtEl>
+                                        <p:attrNameLst>
+                                          <p:attrName>ppt_x</p:attrName>
+                                          <p:attrName>ppt_y</p:attrName>
+                                        </p:attrNameLst>
+                                      </p:cBhvr>
+                                    </p:animMotion>
+                                  </p:childTnLst>
+                                </p:cTn>
+                              </p:par>
+                            </p:childTnLst>
+                          </p:cTn>
+                        </p:par>
+                      </p:childTnLst>
+                    </p:cTn>
+                  </p:par>
+                  <p:par>
+                    <p:cTn id="125" fill="hold">
+                      <p:stCondLst>
+                        <p:cond delay="indefinite"/>
+                      </p:stCondLst>
+                      <p:childTnLst>
+                        <p:par>
+                          <p:cTn id="126" fill="hold">
+                            <p:stCondLst>
+                              <p:cond delay="0"/>
+                            </p:stCondLst>
+                            <p:childTnLst>
+                              <p:par>
+                                <p:cTn id="127" presetID="0" presetClass="path" presetSubtype="0" accel="50000" decel="50000" fill="hold" grpId="2" nodeType="clickEffect">
+                                  <p:stCondLst>
+                                    <p:cond delay="0"/>
+                                  </p:stCondLst>
+                                  <p:childTnLst>
+                                    <p:animMotion origin="layout" path="M 0.000365 0.300278 L 0.177292 -0.302037 " pathEditMode="relative" rAng="0" ptsTypes="">
+                                      <p:cBhvr>
+                                        <p:cTn id="128" dur="2000" fill="hold"/>
+                                        <p:tgtEl>
+                                          <p:spTgt spid="27"/>
+                                        </p:tgtEl>
+                                        <p:attrNameLst>
+                                          <p:attrName>ppt_x</p:attrName>
+                                          <p:attrName>ppt_y</p:attrName>
+                                        </p:attrNameLst>
+                                      </p:cBhvr>
+                                      <p:rCtr x="89" y="-258"/>
+                                    </p:animMotion>
+                                  </p:childTnLst>
+                                </p:cTn>
+                              </p:par>
+                              <p:par>
+                                <p:cTn id="129" presetID="0" presetClass="path" presetSubtype="0" accel="50000" decel="50000" fill="hold" grpId="5" nodeType="withEffect">
+                                  <p:stCondLst>
+                                    <p:cond delay="0"/>
+                                  </p:stCondLst>
+                                  <p:childTnLst>
+                                    <p:animMotion origin="layout" path="M 0.177604 -0.152222 L 0.176927 -0.290370 " pathEditMode="relative" rAng="0" ptsTypes="">
+                                      <p:cBhvr>
+                                        <p:cTn id="130" dur="2000" fill="hold"/>
+                                        <p:tgtEl>
+                                          <p:spTgt spid="40"/>
+                                        </p:tgtEl>
+                                        <p:attrNameLst>
+                                          <p:attrName>ppt_x</p:attrName>
+                                          <p:attrName>ppt_y</p:attrName>
+                                        </p:attrNameLst>
+                                      </p:cBhvr>
+                                      <p:rCtr x="0" y="-33"/>
+                                    </p:animMotion>
+                                  </p:childTnLst>
+                                </p:cTn>
+                              </p:par>
+                              <p:par>
+                                <p:cTn id="131" presetID="0" presetClass="path" presetSubtype="0" accel="50000" decel="50000" fill="hold" nodeType="withEffect">
+                                  <p:stCondLst>
+                                    <p:cond delay="0"/>
+                                  </p:stCondLst>
+                                  <p:childTnLst>
+                                    <p:animMotion origin="layout" path="M 0.178177 -0.152037 L 0.176927 -0.297963 " pathEditMode="relative" rAng="0" ptsTypes="">
+                                      <p:cBhvr>
+                                        <p:cTn id="132" dur="2000" fill="hold"/>
+                                        <p:tgtEl>
+                                          <p:spTgt spid="13"/>
+                                        </p:tgtEl>
+                                        <p:attrNameLst>
+                                          <p:attrName>ppt_x</p:attrName>
+                                          <p:attrName>ppt_y</p:attrName>
+                                        </p:attrNameLst>
+                                      </p:cBhvr>
+                                      <p:rCtr x="0" y="-71"/>
+                                    </p:animMotion>
+                                  </p:childTnLst>
+                                </p:cTn>
+                              </p:par>
+                              <p:par>
+                                <p:cTn id="133" presetID="10" presetClass="exit" presetSubtype="0" fill="hold" nodeType="withEffect">
+                                  <p:stCondLst>
+                                    <p:cond delay="0"/>
+                                  </p:stCondLst>
+                                  <p:childTnLst>
+                                    <p:animEffect transition="out" filter="fade">
+                                      <p:cBhvr>
+                                        <p:cTn id="134" dur="500"/>
+                                        <p:tgtEl>
+                                          <p:spTgt spid="24"/>
+                                        </p:tgtEl>
+                                      </p:cBhvr>
+                                    </p:animEffect>
+                                    <p:set>
+                                      <p:cBhvr>
+                                        <p:cTn id="135" dur="1" fill="hold">
+                                          <p:stCondLst>
+                                            <p:cond delay="499"/>
+                                          </p:stCondLst>
+                                        </p:cTn>
+                                        <p:tgtEl>
+                                          <p:spTgt spid="24"/>
+                                        </p:tgtEl>
+                                        <p:attrNameLst>
+                                          <p:attrName>style.visibility</p:attrName>
+                                        </p:attrNameLst>
+                                      </p:cBhvr>
+                                      <p:to>
+                                        <p:strVal val="hidden"/>
+                                      </p:to>
+                                    </p:set>
+                                  </p:childTnLst>
+                                </p:cTn>
+                              </p:par>
+                              <p:par>
+                                <p:cTn id="136" presetID="10" presetClass="entr" presetSubtype="0" fill="hold" nodeType="withEffect">
+                                  <p:stCondLst>
+                                    <p:cond delay="0"/>
+                                  </p:stCondLst>
+                                  <p:childTnLst>
+                                    <p:set>
+                                      <p:cBhvr>
+                                        <p:cTn id="137" dur="1" fill="hold">
+                                          <p:stCondLst>
+                                            <p:cond delay="0"/>
+                                          </p:stCondLst>
+                                        </p:cTn>
+                                        <p:tgtEl>
+                                          <p:spTgt spid="30"/>
+                                        </p:tgtEl>
+                                        <p:attrNameLst>
+                                          <p:attrName>style.visibility</p:attrName>
+                                        </p:attrNameLst>
+                                      </p:cBhvr>
+                                      <p:to>
+                                        <p:strVal val="visible"/>
+                                      </p:to>
+                                    </p:set>
+                                    <p:animEffect transition="in" filter="fade">
+                                      <p:cBhvr>
+                                        <p:cTn id="138" dur="2000"/>
+                                        <p:tgtEl>
+                                          <p:spTgt spid="30"/>
+                                        </p:tgtEl>
+                                      </p:cBhvr>
+                                    </p:animEffect>
+                                  </p:childTnLst>
+                                </p:cTn>
+                              </p:par>
+                            </p:childTnLst>
+                          </p:cTn>
+                        </p:par>
+                      </p:childTnLst>
+                    </p:cTn>
+                  </p:par>
+                  <p:par>
+                    <p:cTn id="139" fill="hold">
+                      <p:stCondLst>
+                        <p:cond delay="indefinite"/>
+                      </p:stCondLst>
+                      <p:childTnLst>
+                        <p:par>
+                          <p:cTn id="140" fill="hold">
+                            <p:stCondLst>
+                              <p:cond delay="0"/>
+                            </p:stCondLst>
+                            <p:childTnLst>
+                              <p:par>
+                                <p:cTn id="141" presetID="10" presetClass="exit" presetSubtype="0" fill="hold" nodeType="clickEffect">
+                                  <p:stCondLst>
+                                    <p:cond delay="0"/>
+                                  </p:stCondLst>
+                                  <p:childTnLst>
+                                    <p:animEffect transition="out" filter="fade">
+                                      <p:cBhvr>
+                                        <p:cTn id="142" dur="500"/>
+                                        <p:tgtEl>
+                                          <p:spTgt spid="29"/>
+                                        </p:tgtEl>
+                                      </p:cBhvr>
+                                    </p:animEffect>
+                                    <p:set>
+                                      <p:cBhvr>
+                                        <p:cTn id="143" dur="1" fill="hold">
+                                          <p:stCondLst>
+                                            <p:cond delay="499"/>
+                                          </p:stCondLst>
+                                        </p:cTn>
+                                        <p:tgtEl>
+                                          <p:spTgt spid="29"/>
+                                        </p:tgtEl>
+                                        <p:attrNameLst>
+                                          <p:attrName>style.visibility</p:attrName>
+                                        </p:attrNameLst>
+                                      </p:cBhvr>
+                                      <p:to>
+                                        <p:strVal val="hidden"/>
+                                      </p:to>
+                                    </p:set>
+                                  </p:childTnLst>
+                                </p:cTn>
+                              </p:par>
+                              <p:par>
+                                <p:cTn id="144" presetID="10" presetClass="exit" presetSubtype="0" fill="hold" grpId="2" nodeType="withEffect">
+                                  <p:stCondLst>
+                                    <p:cond delay="0"/>
+                                  </p:stCondLst>
+                                  <p:childTnLst>
+                                    <p:animEffect transition="out" filter="fade">
+                                      <p:cBhvr>
+                                        <p:cTn id="145" dur="500"/>
+                                        <p:tgtEl>
+                                          <p:spTgt spid="26"/>
+                                        </p:tgtEl>
+                                      </p:cBhvr>
+                                    </p:animEffect>
+                                    <p:set>
+                                      <p:cBhvr>
+                                        <p:cTn id="146" dur="1" fill="hold">
+                                          <p:stCondLst>
+                                            <p:cond delay="499"/>
+                                          </p:stCondLst>
+                                        </p:cTn>
+                                        <p:tgtEl>
+                                          <p:spTgt spid="26"/>
+                                        </p:tgtEl>
+                                        <p:attrNameLst>
+                                          <p:attrName>style.visibility</p:attrName>
+                                        </p:attrNameLst>
+                                      </p:cBhvr>
+                                      <p:to>
+                                        <p:strVal val="hidden"/>
+                                      </p:to>
+                                    </p:set>
+                                  </p:childTnLst>
+                                </p:cTn>
+                              </p:par>
+                              <p:par>
+                                <p:cTn id="147" presetID="0" presetClass="path" presetSubtype="0" accel="50000" decel="50000" fill="hold" nodeType="withEffect">
+                                  <p:stCondLst>
+                                    <p:cond delay="0"/>
+                                  </p:stCondLst>
+                                  <p:childTnLst>
+                                    <p:animMotion origin="layout" path="M 0.001569 0.001944 L 0.001569 0.152037 " pathEditMode="relative" rAng="0" ptsTypes="">
+                                      <p:cBhvr>
+                                        <p:cTn id="148" dur="2000" fill="hold"/>
+                                        <p:tgtEl>
+                                          <p:spTgt spid="30"/>
+                                        </p:tgtEl>
+                                        <p:attrNameLst>
+                                          <p:attrName>ppt_x</p:attrName>
+                                          <p:attrName>ppt_y</p:attrName>
+                                        </p:attrNameLst>
+                                      </p:cBhvr>
+                                      <p:rCtr x="0" y="75"/>
+                                    </p:animMotion>
+                                  </p:childTnLst>
+                                </p:cTn>
+                              </p:par>
+                              <p:par>
+                                <p:cTn id="149" presetID="0" presetClass="path" presetSubtype="0" accel="50000" decel="50000" fill="hold" grpId="8" nodeType="withEffect">
+                                  <p:stCondLst>
+                                    <p:cond delay="0"/>
+                                  </p:stCondLst>
+                                  <p:childTnLst>
+                                    <p:animMotion origin="layout" path="M 0.177022 -0.290278 L 0.177022 -0.140185 " pathEditMode="relative" rAng="0" ptsTypes="">
+                                      <p:cBhvr>
+                                        <p:cTn id="150" dur="2000" fill="hold"/>
+                                        <p:tgtEl>
+                                          <p:spTgt spid="40"/>
+                                        </p:tgtEl>
+                                        <p:attrNameLst>
+                                          <p:attrName>ppt_x</p:attrName>
+                                          <p:attrName>ppt_y</p:attrName>
+                                        </p:attrNameLst>
+                                      </p:cBhvr>
+                                      <p:rCtr x="0" y="75"/>
+                                    </p:animMotion>
+                                  </p:childTnLst>
+                                </p:cTn>
+                              </p:par>
+                              <p:par>
+                                <p:cTn id="151" presetID="0" presetClass="path" presetSubtype="0" accel="50000" decel="50000" fill="hold" grpId="3" nodeType="withEffect">
+                                  <p:stCondLst>
+                                    <p:cond delay="0"/>
+                                  </p:stCondLst>
+                                  <p:childTnLst>
+                                    <p:animMotion origin="layout" path="M 0.177128 -0.303980 L 0.177128 -0.153887 " pathEditMode="relative" rAng="0" ptsTypes="">
+                                      <p:cBhvr>
+                                        <p:cTn id="152" dur="2000" fill="hold"/>
+                                        <p:tgtEl>
+                                          <p:spTgt spid="27"/>
+                                        </p:tgtEl>
+                                        <p:attrNameLst>
+                                          <p:attrName>ppt_x</p:attrName>
+                                          <p:attrName>ppt_y</p:attrName>
+                                        </p:attrNameLst>
+                                      </p:cBhvr>
+                                      <p:rCtr x="0" y="75"/>
+                                    </p:animMotion>
+                                  </p:childTnLst>
+                                </p:cTn>
+                              </p:par>
+                              <p:par>
+                                <p:cTn id="153" presetID="0" presetClass="path" presetSubtype="0" accel="50000" decel="50000" fill="hold" nodeType="withEffect">
+                                  <p:stCondLst>
+                                    <p:cond delay="0"/>
+                                  </p:stCondLst>
+                                  <p:childTnLst>
+                                    <p:animMotion origin="layout" path="M 0.177439 -0.297675 L 0.177439 -0.147582 " pathEditMode="relative" rAng="0" ptsTypes="">
+                                      <p:cBhvr>
+                                        <p:cTn id="154" dur="2000" fill="hold"/>
+                                        <p:tgtEl>
+                                          <p:spTgt spid="13"/>
+                                        </p:tgtEl>
+                                        <p:attrNameLst>
+                                          <p:attrName>ppt_x</p:attrName>
+                                          <p:attrName>ppt_y</p:attrName>
+                                        </p:attrNameLst>
+                                      </p:cBhvr>
+                                      <p:rCtr x="0" y="75"/>
+                                    </p:animMotion>
+                                  </p:childTnLst>
+                                </p:cTn>
+                              </p:par>
+                            </p:childTnLst>
+                          </p:cTn>
+                        </p:par>
+                      </p:childTnLst>
+                    </p:cTn>
+                  </p:par>
+                  <p:par>
+                    <p:cTn id="155" fill="hold">
+                      <p:stCondLst>
+                        <p:cond delay="indefinite"/>
+                      </p:stCondLst>
+                      <p:childTnLst>
+                        <p:par>
+                          <p:cTn id="156" fill="hold">
+                            <p:stCondLst>
+                              <p:cond delay="0"/>
+                            </p:stCondLst>
+                            <p:childTnLst>
+                              <p:par>
+                                <p:cTn id="157" presetID="0" presetClass="path" presetSubtype="0" accel="50000" decel="50000" fill="hold" grpId="6" nodeType="clickEffect">
+                                  <p:stCondLst>
+                                    <p:cond delay="0"/>
+                                  </p:stCondLst>
+                                  <p:childTnLst>
+                                    <p:animMotion origin="layout" path="M 0.177595 -0.151944 L 0.181449 0.564167 " pathEditMode="relative" rAng="0" ptsTypes="">
+                                      <p:cBhvr>
+                                        <p:cTn id="158" dur="2000" fill="hold"/>
+                                        <p:tgtEl>
+                                          <p:spTgt spid="40"/>
+                                        </p:tgtEl>
+                                        <p:attrNameLst>
+                                          <p:attrName>ppt_x</p:attrName>
+                                          <p:attrName>ppt_y</p:attrName>
+                                        </p:attrNameLst>
+                                      </p:cBhvr>
+                                      <p:rCtr x="2" y="290"/>
+                                    </p:animMotion>
+                                  </p:childTnLst>
+                                </p:cTn>
+                              </p:par>
+                              <p:par>
+                                <p:cTn id="159" presetID="10" presetClass="exit" presetSubtype="0" fill="hold" nodeType="withEffect">
+                                  <p:stCondLst>
+                                    <p:cond delay="0"/>
+                                  </p:stCondLst>
+                                  <p:childTnLst>
+                                    <p:animEffect transition="out" filter="fade">
+                                      <p:cBhvr>
+                                        <p:cTn id="160" dur="500"/>
+                                        <p:tgtEl>
+                                          <p:spTgt spid="13"/>
+                                        </p:tgtEl>
+                                      </p:cBhvr>
+                                    </p:animEffect>
+                                    <p:set>
+                                      <p:cBhvr>
+                                        <p:cTn id="161" dur="1" fill="hold">
+                                          <p:stCondLst>
+                                            <p:cond delay="499"/>
+                                          </p:stCondLst>
+                                        </p:cTn>
+                                        <p:tgtEl>
+                                          <p:spTgt spid="13"/>
+                                        </p:tgtEl>
+                                        <p:attrNameLst>
+                                          <p:attrName>style.visibility</p:attrName>
+                                        </p:attrNameLst>
+                                      </p:cBhvr>
+                                      <p:to>
+                                        <p:strVal val="hidden"/>
+                                      </p:to>
+                                    </p:set>
+                                  </p:childTnLst>
+                                </p:cTn>
+                              </p:par>
+                              <p:par>
+                                <p:cTn id="162" presetID="10" presetClass="entr" presetSubtype="0" fill="hold" nodeType="withEffect">
+                                  <p:stCondLst>
+                                    <p:cond delay="0"/>
+                                  </p:stCondLst>
+                                  <p:childTnLst>
+                                    <p:set>
+                                      <p:cBhvr>
+                                        <p:cTn id="163" dur="1" fill="hold">
+                                          <p:stCondLst>
+                                            <p:cond delay="0"/>
+                                          </p:stCondLst>
+                                        </p:cTn>
+                                        <p:tgtEl>
+                                          <p:spTgt spid="14"/>
+                                        </p:tgtEl>
+                                        <p:attrNameLst>
+                                          <p:attrName>style.visibility</p:attrName>
+                                        </p:attrNameLst>
+                                      </p:cBhvr>
+                                      <p:to>
+                                        <p:strVal val="visible"/>
+                                      </p:to>
+                                    </p:set>
+                                    <p:animEffect transition="in" filter="fade">
+                                      <p:cBhvr>
+                                        <p:cTn id="164" dur="2000"/>
+                                        <p:tgtEl>
+                                          <p:spTgt spid="14"/>
+                                        </p:tgtEl>
+                                      </p:cBhvr>
+                                    </p:animEffect>
+                                  </p:childTnLst>
+                                </p:cTn>
+                              </p:par>
+                            </p:childTnLst>
+                          </p:cTn>
+                        </p:par>
+                      </p:childTnLst>
+                    </p:cTn>
+                  </p:par>
+                  <p:par>
+                    <p:cTn id="165" fill="hold">
+                      <p:stCondLst>
+                        <p:cond delay="indefinite"/>
+                      </p:stCondLst>
+                      <p:childTnLst>
+                        <p:par>
+                          <p:cTn id="166" fill="hold">
+                            <p:stCondLst>
+                              <p:cond delay="0"/>
+                            </p:stCondLst>
+                            <p:childTnLst>
+                              <p:par>
+                                <p:cTn id="167" presetID="10" presetClass="entr" presetSubtype="0" fill="hold" grpId="0" nodeType="clickEffect">
+                                  <p:stCondLst>
+                                    <p:cond delay="0"/>
+                                  </p:stCondLst>
+                                  <p:childTnLst>
+                                    <p:set>
+                                      <p:cBhvr>
+                                        <p:cTn id="168" dur="1" fill="hold">
+                                          <p:stCondLst>
+                                            <p:cond delay="0"/>
+                                          </p:stCondLst>
+                                        </p:cTn>
+                                        <p:tgtEl>
+                                          <p:spTgt spid="31"/>
+                                        </p:tgtEl>
+                                        <p:attrNameLst>
+                                          <p:attrName>style.visibility</p:attrName>
+                                        </p:attrNameLst>
+                                      </p:cBhvr>
+                                      <p:to>
+                                        <p:strVal val="visible"/>
+                                      </p:to>
+                                    </p:set>
+                                    <p:animEffect transition="in" filter="fade">
+                                      <p:cBhvr>
+                                        <p:cTn id="169" dur="500"/>
+                                        <p:tgtEl>
+                                          <p:spTgt spid="31"/>
+                                        </p:tgtEl>
+                                      </p:cBhvr>
+                                    </p:animEffect>
+                                  </p:childTnLst>
+                                </p:cTn>
+                              </p:par>
+                              <p:par>
+                                <p:cTn id="170" presetID="10" presetClass="entr" presetSubtype="0" fill="hold" nodeType="withEffect">
+                                  <p:stCondLst>
+                                    <p:cond delay="0"/>
+                                  </p:stCondLst>
+                                  <p:childTnLst>
+                                    <p:set>
+                                      <p:cBhvr>
+                                        <p:cTn id="171" dur="1" fill="hold">
+                                          <p:stCondLst>
+                                            <p:cond delay="0"/>
+                                          </p:stCondLst>
+                                        </p:cTn>
+                                        <p:tgtEl>
+                                          <p:spTgt spid="32"/>
+                                        </p:tgtEl>
+                                        <p:attrNameLst>
+                                          <p:attrName>style.visibility</p:attrName>
+                                        </p:attrNameLst>
+                                      </p:cBhvr>
+                                      <p:to>
+                                        <p:strVal val="visible"/>
+                                      </p:to>
+                                    </p:set>
+                                    <p:animEffect transition="in" filter="fade">
+                                      <p:cBhvr>
+                                        <p:cTn id="172" dur="500"/>
+                                        <p:tgtEl>
+                                          <p:spTgt spid="32"/>
+                                        </p:tgtEl>
+                                      </p:cBhvr>
+                                    </p:animEffect>
+                                  </p:childTnLst>
+                                </p:cTn>
+                              </p:par>
+                            </p:childTnLst>
+                          </p:cTn>
+                        </p:par>
+                      </p:childTnLst>
+                    </p:cTn>
+                  </p:par>
+                  <p:par>
+                    <p:cTn id="173" fill="hold">
+                      <p:stCondLst>
+                        <p:cond delay="indefinite"/>
+                      </p:stCondLst>
+                      <p:childTnLst>
+                        <p:par>
+                          <p:cTn id="174" fill="hold">
+                            <p:stCondLst>
+                              <p:cond delay="0"/>
+                            </p:stCondLst>
+                            <p:childTnLst>
+                              <p:par>
+                                <p:cTn id="175" presetID="0" presetClass="path" presetSubtype="0" accel="50000" decel="50000" fill="hold" grpId="2" nodeType="clickEffect">
+                                  <p:stCondLst>
+                                    <p:cond delay="0"/>
+                                  </p:stCondLst>
+                                  <p:childTnLst>
+                                    <p:animMotion origin="layout" path="M 0.179106 -0.000001 L 0.362430 -0.000001 " pathEditMode="relative" rAng="0" ptsTypes="">
+                                      <p:cBhvr>
+                                        <p:cTn id="176" dur="2000" fill="hold"/>
+                                        <p:tgtEl>
+                                          <p:spTgt spid="4"/>
+                                        </p:tgtEl>
+                                        <p:attrNameLst>
+                                          <p:attrName>ppt_x</p:attrName>
+                                          <p:attrName>ppt_y</p:attrName>
+                                        </p:attrNameLst>
+                                      </p:cBhvr>
+                                      <p:rCtr x="92" y="0"/>
+                                    </p:animMotion>
+                                  </p:childTnLst>
+                                </p:cTn>
+                              </p:par>
+                              <p:par>
+                                <p:cTn id="177" presetID="0" presetClass="path" presetSubtype="0" accel="50000" decel="50000" fill="hold" nodeType="withEffect">
+                                  <p:stCondLst>
+                                    <p:cond delay="0"/>
+                                  </p:stCondLst>
+                                  <p:childTnLst>
+                                    <p:animMotion origin="layout" path="M 0.179106 -0.000001 L 0.362430 -0.000001 " pathEditMode="relative" rAng="0" ptsTypes="">
+                                      <p:cBhvr>
+                                        <p:cTn id="178" dur="2000" fill="hold"/>
+                                        <p:tgtEl>
+                                          <p:spTgt spid="5"/>
+                                        </p:tgtEl>
+                                        <p:attrNameLst>
+                                          <p:attrName>ppt_x</p:attrName>
+                                          <p:attrName>ppt_y</p:attrName>
+                                        </p:attrNameLst>
+                                      </p:cBhvr>
+                                      <p:rCtr x="92" y="0"/>
+                                    </p:animMotion>
+                                  </p:childTnLst>
+                                </p:cTn>
+                              </p:par>
+                              <p:par>
+                                <p:cTn id="179" presetID="0" presetClass="path" presetSubtype="0" accel="50000" decel="50000" fill="hold" nodeType="withEffect">
+                                  <p:stCondLst>
+                                    <p:cond delay="0"/>
+                                  </p:stCondLst>
+                                  <p:childTnLst>
+                                    <p:animMotion origin="layout" path="M 0.179106 -0.000001 L 0.362430 -0.000001 " pathEditMode="relative" rAng="0" ptsTypes="">
+                                      <p:cBhvr>
+                                        <p:cTn id="180" dur="2000" fill="hold"/>
+                                        <p:tgtEl>
+                                          <p:spTgt spid="14"/>
+                                        </p:tgtEl>
+                                        <p:attrNameLst>
+                                          <p:attrName>ppt_x</p:attrName>
+                                          <p:attrName>ppt_y</p:attrName>
+                                        </p:attrNameLst>
+                                      </p:cBhvr>
+                                      <p:rCtr x="92" y="0"/>
+                                    </p:animMotion>
+                                  </p:childTnLst>
+                                </p:cTn>
+                              </p:par>
+                              <p:par>
+                                <p:cTn id="181" presetID="0" presetClass="path" presetSubtype="0" accel="50000" decel="50000" fill="hold" grpId="7" nodeType="withEffect">
+                                  <p:stCondLst>
+                                    <p:cond delay="0"/>
+                                  </p:stCondLst>
+                                  <p:childTnLst>
+                                    <p:animMotion origin="layout" path="M 0.180933 0.566482 L 0.364257 0.566482 " pathEditMode="relative" rAng="0" ptsTypes="">
+                                      <p:cBhvr>
+                                        <p:cTn id="182" dur="2000" fill="hold"/>
+                                        <p:tgtEl>
+                                          <p:spTgt spid="40"/>
+                                        </p:tgtEl>
+                                        <p:attrNameLst>
+                                          <p:attrName>ppt_x</p:attrName>
+                                          <p:attrName>ppt_y</p:attrName>
+                                        </p:attrNameLst>
+                                      </p:cBhvr>
+                                      <p:rCtr x="92" y="0"/>
+                                    </p:animMotion>
+                                  </p:childTnLst>
+                                </p:cTn>
+                              </p:par>
+                            </p:childTnLst>
+                          </p:cTn>
+                        </p:par>
+                      </p:childTnLst>
+                    </p:cTn>
+                  </p:par>
+                  <p:par>
+                    <p:cTn id="183" fill="hold">
+                      <p:stCondLst>
+                        <p:cond delay="indefinite"/>
+                      </p:stCondLst>
+                      <p:childTnLst>
+                        <p:par>
+                          <p:cTn id="184" fill="hold">
+                            <p:stCondLst>
+                              <p:cond delay="0"/>
+                            </p:stCondLst>
+                            <p:childTnLst>
+                              <p:par>
+                                <p:cTn id="185" presetID="0" presetClass="path" presetSubtype="0" accel="50000" decel="50000" fill="hold" grpId="9" nodeType="clickEffect">
+                                  <p:stCondLst>
+                                    <p:cond delay="0"/>
+                                  </p:stCondLst>
+                                  <p:childTnLst>
+                                    <p:animMotion origin="layout" path="M 0.364929 0.566852 L 0.180616 -0.149537 " pathEditMode="relative" ptsTypes="">
+                                      <p:cBhvr>
+                                        <p:cTn id="186" dur="2000" fill="hold"/>
+                                        <p:tgtEl>
+                                          <p:spTgt spid="40"/>
+                                        </p:tgtEl>
+                                        <p:attrNameLst>
+                                          <p:attrName>ppt_x</p:attrName>
+                                          <p:attrName>ppt_y</p:attrName>
+                                        </p:attrNameLst>
+                                      </p:cBhvr>
+                                    </p:animMotion>
+                                  </p:childTnLst>
+                                </p:cTn>
+                              </p:par>
+                              <p:par>
+                                <p:cTn id="187" presetID="10" presetClass="exit" presetSubtype="0" fill="hold" nodeType="withEffect">
+                                  <p:stCondLst>
+                                    <p:cond delay="0"/>
+                                  </p:stCondLst>
+                                  <p:childTnLst>
+                                    <p:animEffect transition="out" filter="fade">
+                                      <p:cBhvr>
+                                        <p:cTn id="188" dur="500"/>
+                                        <p:tgtEl>
+                                          <p:spTgt spid="14"/>
+                                        </p:tgtEl>
+                                      </p:cBhvr>
+                                    </p:animEffect>
+                                    <p:set>
+                                      <p:cBhvr>
+                                        <p:cTn id="189" dur="1" fill="hold">
+                                          <p:stCondLst>
+                                            <p:cond delay="499"/>
+                                          </p:stCondLst>
+                                        </p:cTn>
+                                        <p:tgtEl>
+                                          <p:spTgt spid="14"/>
+                                        </p:tgtEl>
+                                        <p:attrNameLst>
+                                          <p:attrName>style.visibility</p:attrName>
+                                        </p:attrNameLst>
+                                      </p:cBhvr>
+                                      <p:to>
+                                        <p:strVal val="hidden"/>
+                                      </p:to>
+                                    </p:set>
+                                  </p:childTnLst>
+                                </p:cTn>
+                              </p:par>
+                              <p:par>
+                                <p:cTn id="190" presetID="10" presetClass="entr" presetSubtype="0" fill="hold" nodeType="withEffect">
+                                  <p:stCondLst>
+                                    <p:cond delay="0"/>
+                                  </p:stCondLst>
+                                  <p:childTnLst>
+                                    <p:set>
+                                      <p:cBhvr>
+                                        <p:cTn id="191" dur="1" fill="hold">
+                                          <p:stCondLst>
+                                            <p:cond delay="0"/>
+                                          </p:stCondLst>
+                                        </p:cTn>
+                                        <p:tgtEl>
+                                          <p:spTgt spid="13"/>
+                                        </p:tgtEl>
+                                        <p:attrNameLst>
+                                          <p:attrName>style.visibility</p:attrName>
+                                        </p:attrNameLst>
+                                      </p:cBhvr>
+                                      <p:to>
+                                        <p:strVal val="visible"/>
+                                      </p:to>
+                                    </p:set>
+                                    <p:animEffect transition="in" filter="fade">
+                                      <p:cBhvr>
+                                        <p:cTn id="192" dur="2000"/>
+                                        <p:tgtEl>
+                                          <p:spTgt spid="13"/>
+                                        </p:tgtEl>
+                                      </p:cBhvr>
+                                    </p:animEffect>
+                                  </p:childTnLst>
+                                </p:cTn>
+                              </p:par>
+                            </p:childTnLst>
+                          </p:cTn>
+                        </p:par>
+                      </p:childTnLst>
+                    </p:cTn>
+                  </p:par>
+                  <p:par>
+                    <p:cTn id="193" fill="hold">
+                      <p:stCondLst>
+                        <p:cond delay="indefinite"/>
+                      </p:stCondLst>
+                      <p:childTnLst>
+                        <p:par>
+                          <p:cTn id="194" fill="hold">
+                            <p:stCondLst>
+                              <p:cond delay="0"/>
+                            </p:stCondLst>
+                            <p:childTnLst>
+                              <p:par>
+                                <p:cTn id="195" presetID="7" presetClass="emph" presetSubtype="2" fill="hold" grpId="1" nodeType="clickEffect">
+                                  <p:stCondLst>
+                                    <p:cond delay="0"/>
+                                  </p:stCondLst>
+                                  <p:childTnLst>
+                                    <p:animClr clrSpc="rgb" dir="cw">
+                                      <p:cBhvr>
+                                        <p:cTn id="196" dur="1000" fill="hold"/>
+                                        <p:tgtEl>
+                                          <p:spTgt spid="9"/>
+                                        </p:tgtEl>
+                                        <p:attrNameLst>
+                                          <p:attrName>stroke.color</p:attrName>
+                                        </p:attrNameLst>
+                                      </p:cBhvr>
+                                      <p:to>
+                                        <a:srgbClr val="e3211f"/>
+                                      </p:to>
+                                    </p:animClr>
+                                    <p:set>
+                                      <p:cBhvr>
+                                        <p:cTn id="197" dur="1000" fill="hold"/>
+                                        <p:tgtEl>
+                                          <p:spTgt spid="9"/>
+                                        </p:tgtEl>
+                                        <p:attrNameLst>
+                                          <p:attrName>stroke.on</p:attrName>
+                                        </p:attrNameLst>
+                                      </p:cBhvr>
+                                      <p:to>
+                                        <p:strVal val="true"/>
+                                      </p:to>
+                                    </p:set>
+                                  </p:childTnLst>
+                                </p:cTn>
+                              </p:par>
+                              <p:par>
+                                <p:cTn id="198" presetID="7" presetClass="emph" presetSubtype="2" fill="hold" grpId="1" nodeType="withEffect">
+                                  <p:stCondLst>
+                                    <p:cond delay="0"/>
+                                  </p:stCondLst>
+                                  <p:childTnLst>
+                                    <p:animClr clrSpc="rgb" dir="cw">
+                                      <p:cBhvr>
+                                        <p:cTn id="199" dur="1000" fill="hold"/>
+                                        <p:tgtEl>
+                                          <p:spTgt spid="17"/>
+                                        </p:tgtEl>
+                                        <p:attrNameLst>
+                                          <p:attrName>stroke.color</p:attrName>
+                                        </p:attrNameLst>
+                                      </p:cBhvr>
+                                      <p:to>
+                                        <a:srgbClr val="e3211f"/>
+                                      </p:to>
+                                    </p:animClr>
+                                    <p:set>
+                                      <p:cBhvr>
+                                        <p:cTn id="200" dur="1000" fill="hold"/>
+                                        <p:tgtEl>
+                                          <p:spTgt spid="17"/>
+                                        </p:tgtEl>
+                                        <p:attrNameLst>
+                                          <p:attrName>stroke.on</p:attrName>
+                                        </p:attrNameLst>
+                                      </p:cBhvr>
+                                      <p:to>
+                                        <p:strVal val="true"/>
+                                      </p:to>
+                                    </p:set>
+                                  </p:childTnLst>
+                                </p:cTn>
+                              </p:par>
+                              <p:par>
+                                <p:cTn id="201" presetID="7" presetClass="emph" presetSubtype="2" fill="hold" grpId="1" nodeType="withEffect">
+                                  <p:stCondLst>
+                                    <p:cond delay="0"/>
+                                  </p:stCondLst>
+                                  <p:childTnLst>
+                                    <p:animClr clrSpc="rgb" dir="cw">
+                                      <p:cBhvr>
+                                        <p:cTn id="202" dur="1000" fill="hold"/>
+                                        <p:tgtEl>
+                                          <p:spTgt spid="31"/>
+                                        </p:tgtEl>
+                                        <p:attrNameLst>
+                                          <p:attrName>stroke.color</p:attrName>
+                                        </p:attrNameLst>
+                                      </p:cBhvr>
+                                      <p:to>
+                                        <a:srgbClr val="e3211f"/>
+                                      </p:to>
+                                    </p:animClr>
+                                    <p:set>
+                                      <p:cBhvr>
+                                        <p:cTn id="203" dur="1000" fill="hold"/>
+                                        <p:tgtEl>
+                                          <p:spTgt spid="31"/>
+                                        </p:tgtEl>
+                                        <p:attrNameLst>
+                                          <p:attrName>stroke.on</p:attrName>
+                                        </p:attrNameLst>
+                                      </p:cBhvr>
+                                      <p:to>
+                                        <p:strVal val="true"/>
+                                      </p:to>
+                                    </p:set>
+                                  </p:childTnLst>
+                                </p:cTn>
+                              </p:par>
+                              <p:par>
+                                <p:cTn id="204" presetID="3" presetClass="emph" presetSubtype="2" fill="hold" grpId="3" nodeType="withEffect">
+                                  <p:stCondLst>
+                                    <p:cond delay="0"/>
+                                  </p:stCondLst>
+                                  <p:childTnLst>
+                                    <p:animClr clrSpc="rgb" dir="cw">
+                                      <p:cBhvr override="childStyle">
+                                        <p:cTn id="205" dur="1000" fill="hold"/>
+                                        <p:tgtEl>
+                                          <p:spTgt spid="17"/>
+                                        </p:tgtEl>
+                                        <p:attrNameLst>
+                                          <p:attrName>style.color</p:attrName>
+                                        </p:attrNameLst>
+                                      </p:cBhvr>
+                                      <p:to>
+                                        <a:srgbClr val="e3211f"/>
+                                      </p:to>
+                                    </p:animClr>
+                                  </p:childTnLst>
+                                </p:cTn>
+                              </p:par>
+                              <p:par>
+                                <p:cTn id="206" presetID="3" presetClass="emph" presetSubtype="2" fill="hold" grpId="3" nodeType="withEffect">
+                                  <p:stCondLst>
+                                    <p:cond delay="0"/>
+                                  </p:stCondLst>
+                                  <p:childTnLst>
+                                    <p:animClr clrSpc="rgb" dir="cw">
+                                      <p:cBhvr override="childStyle">
+                                        <p:cTn id="207" dur="1000" fill="hold"/>
+                                        <p:tgtEl>
+                                          <p:spTgt spid="9"/>
+                                        </p:tgtEl>
+                                        <p:attrNameLst>
+                                          <p:attrName>style.color</p:attrName>
+                                        </p:attrNameLst>
+                                      </p:cBhvr>
+                                      <p:to>
+                                        <a:srgbClr val="e3211f"/>
+                                      </p:to>
+                                    </p:animClr>
+                                  </p:childTnLst>
+                                </p:cTn>
+                              </p:par>
+                              <p:par>
+                                <p:cTn id="208" presetID="3" presetClass="emph" presetSubtype="2" fill="hold" grpId="3" nodeType="withEffect">
+                                  <p:stCondLst>
+                                    <p:cond delay="0"/>
+                                  </p:stCondLst>
+                                  <p:childTnLst>
+                                    <p:animClr clrSpc="rgb" dir="cw">
+                                      <p:cBhvr override="childStyle">
+                                        <p:cTn id="209" dur="1000" fill="hold"/>
+                                        <p:tgtEl>
+                                          <p:spTgt spid="31"/>
+                                        </p:tgtEl>
+                                        <p:attrNameLst>
+                                          <p:attrName>style.color</p:attrName>
+                                        </p:attrNameLst>
+                                      </p:cBhvr>
+                                      <p:to>
+                                        <a:srgbClr val="e3211f"/>
+                                      </p:to>
+                                    </p:animClr>
+                                  </p:childTnLst>
+                                </p:cTn>
+                              </p:par>
+                            </p:childTnLst>
+                          </p:cTn>
+                        </p:par>
+                      </p:childTnLst>
+                    </p:cTn>
+                  </p:par>
+                  <p:par>
+                    <p:cTn id="210" fill="hold">
+                      <p:stCondLst>
+                        <p:cond delay="indefinite"/>
+                      </p:stCondLst>
+                      <p:childTnLst>
+                        <p:par>
+                          <p:cTn id="211" fill="hold">
+                            <p:stCondLst>
+                              <p:cond delay="0"/>
+                            </p:stCondLst>
+                            <p:childTnLst>
+                              <p:par>
+                                <p:cTn id="212" presetID="10" presetClass="entr" presetSubtype="0" fill="hold" grpId="0" nodeType="clickEffect">
+                                  <p:stCondLst>
+                                    <p:cond delay="0"/>
+                                  </p:stCondLst>
+                                  <p:childTnLst>
+                                    <p:set>
+                                      <p:cBhvr>
+                                        <p:cTn id="213" dur="1" fill="hold">
+                                          <p:stCondLst>
+                                            <p:cond delay="0"/>
+                                          </p:stCondLst>
+                                        </p:cTn>
+                                        <p:tgtEl>
+                                          <p:spTgt spid="33"/>
+                                        </p:tgtEl>
+                                        <p:attrNameLst>
+                                          <p:attrName>style.visibility</p:attrName>
+                                        </p:attrNameLst>
+                                      </p:cBhvr>
+                                      <p:to>
+                                        <p:strVal val="visible"/>
+                                      </p:to>
+                                    </p:set>
+                                    <p:animEffect transition="in" filter="fade">
+                                      <p:cBhvr>
+                                        <p:cTn id="214" dur="500"/>
+                                        <p:tgtEl>
+                                          <p:spTgt spid="33"/>
+                                        </p:tgtEl>
+                                      </p:cBhvr>
+                                    </p:animEffect>
+                                  </p:childTnLst>
+                                </p:cTn>
+                              </p:par>
+                              <p:par>
+                                <p:cTn id="215" presetID="10" presetClass="entr" presetSubtype="0" fill="hold" nodeType="withEffect">
+                                  <p:stCondLst>
+                                    <p:cond delay="0"/>
+                                  </p:stCondLst>
+                                  <p:childTnLst>
+                                    <p:set>
+                                      <p:cBhvr>
+                                        <p:cTn id="216" dur="1" fill="hold">
+                                          <p:stCondLst>
+                                            <p:cond delay="0"/>
+                                          </p:stCondLst>
+                                        </p:cTn>
+                                        <p:tgtEl>
+                                          <p:spTgt spid="34"/>
+                                        </p:tgtEl>
+                                        <p:attrNameLst>
+                                          <p:attrName>style.visibility</p:attrName>
+                                        </p:attrNameLst>
+                                      </p:cBhvr>
+                                      <p:to>
+                                        <p:strVal val="visible"/>
+                                      </p:to>
+                                    </p:set>
+                                    <p:animEffect transition="in" filter="fade">
+                                      <p:cBhvr>
+                                        <p:cTn id="217" dur="500"/>
+                                        <p:tgtEl>
+                                          <p:spTgt spid="34"/>
+                                        </p:tgtEl>
+                                      </p:cBhvr>
+                                    </p:animEffect>
+                                  </p:childTnLst>
+                                </p:cTn>
+                              </p:par>
+                              <p:par>
+                                <p:cTn id="218" presetID="10" presetClass="entr" presetSubtype="0" fill="hold" nodeType="withEffect">
+                                  <p:stCondLst>
+                                    <p:cond delay="0"/>
+                                  </p:stCondLst>
+                                  <p:childTnLst>
+                                    <p:set>
+                                      <p:cBhvr>
+                                        <p:cTn id="219" dur="1" fill="hold">
+                                          <p:stCondLst>
+                                            <p:cond delay="0"/>
+                                          </p:stCondLst>
+                                        </p:cTn>
+                                        <p:tgtEl>
+                                          <p:spTgt spid="35"/>
+                                        </p:tgtEl>
+                                        <p:attrNameLst>
+                                          <p:attrName>style.visibility</p:attrName>
+                                        </p:attrNameLst>
+                                      </p:cBhvr>
+                                      <p:to>
+                                        <p:strVal val="visible"/>
+                                      </p:to>
+                                    </p:set>
+                                    <p:animEffect transition="in" filter="fade">
+                                      <p:cBhvr>
+                                        <p:cTn id="220" dur="500"/>
+                                        <p:tgtEl>
+                                          <p:spTgt spid="35"/>
+                                        </p:tgtEl>
+                                      </p:cBhvr>
+                                    </p:animEffect>
+                                  </p:childTnLst>
+                                </p:cTn>
+                              </p:par>
+                            </p:childTnLst>
+                          </p:cTn>
+                        </p:par>
+                      </p:childTnLst>
+                    </p:cTn>
+                  </p:par>
+                  <p:par>
+                    <p:cTn id="221" fill="hold">
+                      <p:stCondLst>
+                        <p:cond delay="indefinite"/>
+                      </p:stCondLst>
+                      <p:childTnLst>
+                        <p:par>
+                          <p:cTn id="222" fill="hold">
+                            <p:stCondLst>
+                              <p:cond delay="0"/>
+                            </p:stCondLst>
+                            <p:childTnLst>
+                              <p:par>
+                                <p:cTn id="223" presetID="0" presetClass="path" presetSubtype="0" accel="50000" decel="50000" fill="hold" nodeType="clickEffect">
+                                  <p:stCondLst>
+                                    <p:cond delay="0"/>
+                                  </p:stCondLst>
+                                  <p:childTnLst>
+                                    <p:animMotion origin="layout" path="M 0.178634 0.000000 L 0.432475 -0.003148 " pathEditMode="relative" rAng="0" ptsTypes="">
+                                      <p:cBhvr>
+                                        <p:cTn id="224" dur="2000" fill="hold"/>
+                                        <p:tgtEl>
+                                          <p:spTgt spid="13"/>
+                                        </p:tgtEl>
+                                        <p:attrNameLst>
+                                          <p:attrName>ppt_x</p:attrName>
+                                          <p:attrName>ppt_y</p:attrName>
+                                        </p:attrNameLst>
+                                      </p:cBhvr>
+                                      <p:rCtr x="127" y="-1"/>
+                                    </p:animMotion>
+                                  </p:childTnLst>
+                                </p:cTn>
+                              </p:par>
+                              <p:par>
+                                <p:cTn id="225" presetID="0" presetClass="path" presetSubtype="0" accel="50000" decel="50000" fill="hold" grpId="10" nodeType="withEffect">
+                                  <p:stCondLst>
+                                    <p:cond delay="0"/>
+                                  </p:stCondLst>
+                                  <p:childTnLst>
+                                    <p:animMotion origin="layout" path="M 0.177959 -0.152407 L 0.431800 -0.155555 " pathEditMode="relative" rAng="0" ptsTypes="">
+                                      <p:cBhvr>
+                                        <p:cTn id="226" dur="2000" fill="hold"/>
+                                        <p:tgtEl>
+                                          <p:spTgt spid="40"/>
+                                        </p:tgtEl>
+                                        <p:attrNameLst>
+                                          <p:attrName>ppt_x</p:attrName>
+                                          <p:attrName>ppt_y</p:attrName>
+                                        </p:attrNameLst>
+                                      </p:cBhvr>
+                                      <p:rCtr x="127" y="-1"/>
+                                    </p:animMotion>
+                                  </p:childTnLst>
+                                </p:cTn>
+                              </p:par>
+                              <p:par>
+                                <p:cTn id="227" presetID="0" presetClass="path" presetSubtype="0" accel="50000" decel="50000" fill="hold" grpId="4" nodeType="withEffect">
+                                  <p:stCondLst>
+                                    <p:cond delay="0"/>
+                                  </p:stCondLst>
+                                  <p:childTnLst>
+                                    <p:animMotion origin="layout" path="M 0.177287 -0.148242 L 0.431128 -0.151390 " pathEditMode="relative" rAng="0" ptsTypes="">
+                                      <p:cBhvr>
+                                        <p:cTn id="228" dur="2000" fill="hold"/>
+                                        <p:tgtEl>
+                                          <p:spTgt spid="27"/>
+                                        </p:tgtEl>
+                                        <p:attrNameLst>
+                                          <p:attrName>ppt_x</p:attrName>
+                                          <p:attrName>ppt_y</p:attrName>
+                                        </p:attrNameLst>
+                                      </p:cBhvr>
+                                      <p:rCtr x="127" y="-1"/>
+                                    </p:animMotion>
+                                  </p:childTnLst>
+                                </p:cTn>
+                              </p:par>
+                              <p:par>
+                                <p:cTn id="229" presetID="0" presetClass="path" presetSubtype="0" accel="50000" decel="50000" fill="hold" nodeType="withEffect">
+                                  <p:stCondLst>
+                                    <p:cond delay="0"/>
+                                  </p:stCondLst>
+                                  <p:childTnLst>
+                                    <p:animMotion origin="layout" path="M 0.000000 0.000000 L 0.253841 -0.003148 " pathEditMode="relative" ptsTypes="">
+                                      <p:cBhvr>
+                                        <p:cTn id="230" dur="2000" fill="hold"/>
+                                        <p:tgtEl>
+                                          <p:spTgt spid="30"/>
+                                        </p:tgtEl>
+                                        <p:attrNameLst>
+                                          <p:attrName>ppt_x</p:attrName>
+                                          <p:attrName>ppt_y</p:attrName>
+                                        </p:attrNameLst>
+                                      </p:cBhvr>
+                                    </p:animMotion>
+                                  </p:childTnLst>
+                                </p:cTn>
+                              </p:par>
+                            </p:childTnLst>
+                          </p:cTn>
+                        </p:par>
+                      </p:childTnLst>
+                    </p:cTn>
+                  </p:par>
+                  <p:par>
+                    <p:cTn id="231" fill="hold">
+                      <p:stCondLst>
+                        <p:cond delay="indefinite"/>
+                      </p:stCondLst>
+                      <p:childTnLst>
+                        <p:par>
+                          <p:cTn id="232" fill="hold">
+                            <p:stCondLst>
+                              <p:cond delay="0"/>
+                            </p:stCondLst>
+                            <p:childTnLst>
+                              <p:par>
+                                <p:cTn id="233" presetID="10" presetClass="exit" presetSubtype="0" fill="hold" grpId="3" nodeType="clickEffect">
+                                  <p:stCondLst>
+                                    <p:cond delay="0"/>
+                                  </p:stCondLst>
+                                  <p:childTnLst>
+                                    <p:animEffect transition="out" filter="fade">
+                                      <p:cBhvr>
+                                        <p:cTn id="234" dur="1000"/>
+                                        <p:tgtEl>
+                                          <p:spTgt spid="4"/>
+                                        </p:tgtEl>
+                                      </p:cBhvr>
+                                    </p:animEffect>
+                                    <p:set>
+                                      <p:cBhvr>
+                                        <p:cTn id="235" dur="1" fill="hold">
+                                          <p:stCondLst>
+                                            <p:cond delay="998"/>
+                                          </p:stCondLst>
+                                        </p:cTn>
+                                        <p:tgtEl>
+                                          <p:spTgt spid="4"/>
+                                        </p:tgtEl>
+                                        <p:attrNameLst>
+                                          <p:attrName>style.visibility</p:attrName>
+                                        </p:attrNameLst>
+                                      </p:cBhvr>
+                                      <p:to>
+                                        <p:strVal val="hidden"/>
+                                      </p:to>
+                                    </p:set>
+                                  </p:childTnLst>
+                                </p:cTn>
+                              </p:par>
+                              <p:par>
+                                <p:cTn id="236" presetID="10" presetClass="exit" presetSubtype="0" fill="hold" nodeType="withEffect">
+                                  <p:stCondLst>
+                                    <p:cond delay="0"/>
+                                  </p:stCondLst>
+                                  <p:childTnLst>
+                                    <p:animEffect transition="out" filter="fade">
+                                      <p:cBhvr>
+                                        <p:cTn id="237" dur="1000"/>
+                                        <p:tgtEl>
+                                          <p:spTgt spid="5"/>
+                                        </p:tgtEl>
+                                      </p:cBhvr>
+                                    </p:animEffect>
+                                    <p:set>
+                                      <p:cBhvr>
+                                        <p:cTn id="238" dur="1" fill="hold">
+                                          <p:stCondLst>
+                                            <p:cond delay="998"/>
+                                          </p:stCondLst>
+                                        </p:cTn>
+                                        <p:tgtEl>
+                                          <p:spTgt spid="5"/>
+                                        </p:tgtEl>
+                                        <p:attrNameLst>
+                                          <p:attrName>style.visibility</p:attrName>
+                                        </p:attrNameLst>
+                                      </p:cBhvr>
+                                      <p:to>
+                                        <p:strVal val="hidden"/>
+                                      </p:to>
+                                    </p:set>
+                                  </p:childTnLst>
+                                </p:cTn>
+                              </p:par>
+                            </p:childTnLst>
+                          </p:cTn>
+                        </p:par>
+                      </p:childTnLst>
+                    </p:cTn>
+                  </p:par>
+                </p:childTnLst>
+              </p:cTn>
+              <p:prevCondLst>
+                <p:cond evt="onPrev" delay="0">
+                  <p:tgtEl>
+                    <p:sldTgt/>
+                  </p:tgtEl>
+                </p:cond>
+              </p:prevCondLst>
+              <p:nextCondLst>
+                <p:cond evt="onNext" delay="0">
+                  <p:tgtEl>
+                    <p:sldTgt/>
+                  </p:tgtEl>
+                </p:cond>
+              </p:nextCondLst>
+            </p:seq>
+          </p:childTnLst>
+        </p:cTn>
+      </p:par>
+    </p:tnLst>
+    <p:bldLst>
+      <p:bldP spid="45" grpId="0"/>
+      <p:bldP spid="6" grpId="0" bldLvl="0" animBg="1"/>
+      <p:bldP spid="8" grpId="0" bldLvl="0" animBg="1"/>
+      <p:bldP spid="9" grpId="0" bldLvl="0" animBg="1"/>
+      <p:bldP spid="27" grpId="0" bldLvl="0" animBg="1"/>
+      <p:bldP spid="4" grpId="0" bldLvl="0" animBg="1"/>
+      <p:bldP spid="7" grpId="0" bldLvl="0" animBg="1"/>
+      <p:bldP spid="4" grpId="1" bldLvl="0" animBg="1"/>
+      <p:bldP spid="40" grpId="0" bldLvl="0" animBg="1"/>
+      <p:bldP spid="40" grpId="1" bldLvl="0" animBg="1"/>
+      <p:bldP spid="40" grpId="2" bldLvl="0" animBg="1"/>
+      <p:bldP spid="17" grpId="0" bldLvl="0" animBg="1"/>
+      <p:bldP spid="40" grpId="3" bldLvl="0" animBg="1"/>
+      <p:bldP spid="27" grpId="1" bldLvl="0" animBg="1"/>
+      <p:bldP spid="26" grpId="0" bldLvl="0" animBg="1"/>
+      <p:bldP spid="40" grpId="4" bldLvl="0" animBg="1"/>
+      <p:bldP spid="26" grpId="1" bldLvl="0" animBg="1"/>
+      <p:bldP spid="27" grpId="2" bldLvl="0" animBg="1"/>
+      <p:bldP spid="40" grpId="5" bldLvl="0" animBg="1"/>
+      <p:bldP spid="40" grpId="6" bldLvl="0" animBg="1"/>
+      <p:bldP spid="31" grpId="0" bldLvl="0" animBg="1"/>
+      <p:bldP spid="4" grpId="2" animBg="1"/>
+      <p:bldP spid="40" grpId="7" animBg="1"/>
+      <p:bldP spid="26" grpId="2" animBg="1"/>
+      <p:bldP spid="40" grpId="8" animBg="1"/>
       <p:bldP spid="27" grpId="3" animBg="1"/>
-      <p:bldP spid="40" grpId="5" animBg="1"/>
+      <p:bldP spid="40" grpId="9" animBg="1"/>
+      <p:bldP spid="33" grpId="0" bldLvl="0" animBg="1"/>
+      <p:bldP spid="40" grpId="10" animBg="1"/>
+      <p:bldP spid="27" grpId="4" animBg="1"/>
+      <p:bldP spid="9" grpId="1" animBg="1"/>
+      <p:bldP spid="17" grpId="1" animBg="1"/>
+      <p:bldP spid="31" grpId="1" animBg="1"/>
+      <p:bldP spid="17" grpId="2" animBg="1"/>
+      <p:bldP spid="9" grpId="2" animBg="1"/>
+      <p:bldP spid="31" grpId="2" animBg="1"/>
+      <p:bldP spid="17" grpId="3" animBg="1"/>
+      <p:bldP spid="9" grpId="3" animBg="1"/>
+      <p:bldP spid="31" grpId="3" animBg="1"/>
+      <p:bldP spid="4" grpId="3" animBg="1"/>
     </p:bldLst>
   </p:timing>
 </p:sld>
